--- a/Consumer Complaints.pptx
+++ b/Consumer Complaints.pptx
@@ -14,13 +14,10 @@
     <p:sldId id="273" r:id="rId8"/>
     <p:sldId id="276" r:id="rId9"/>
     <p:sldId id="274" r:id="rId10"/>
-    <p:sldId id="275" r:id="rId11"/>
-    <p:sldId id="278" r:id="rId12"/>
-    <p:sldId id="279" r:id="rId13"/>
-    <p:sldId id="280" r:id="rId14"/>
-    <p:sldId id="281" r:id="rId15"/>
-    <p:sldId id="288" r:id="rId16"/>
-    <p:sldId id="289" r:id="rId17"/>
+    <p:sldId id="280" r:id="rId11"/>
+    <p:sldId id="281" r:id="rId12"/>
+    <p:sldId id="288" r:id="rId13"/>
+    <p:sldId id="289" r:id="rId14"/>
   </p:sldIdLst>
   <p:sldSz cx="12192000" cy="6858000"/>
   <p:notesSz cx="6858000" cy="9144000"/>
@@ -274,7 +271,7 @@
           <a:p>
             <a:fld id="{62CE3EB7-E4D4-4F2B-BA48-1BF5AFD9F61D}" type="datetimeFigureOut">
               <a:rPr lang="en-US" smtClean="0"/>
-              <a:t>18-Feb-23</a:t>
+              <a:t>26-Feb-23</a:t>
             </a:fld>
             <a:endParaRPr lang="en-US"/>
           </a:p>
@@ -472,7 +469,7 @@
           <a:p>
             <a:fld id="{62CE3EB7-E4D4-4F2B-BA48-1BF5AFD9F61D}" type="datetimeFigureOut">
               <a:rPr lang="en-US" smtClean="0"/>
-              <a:t>18-Feb-23</a:t>
+              <a:t>26-Feb-23</a:t>
             </a:fld>
             <a:endParaRPr lang="en-US"/>
           </a:p>
@@ -680,7 +677,7 @@
           <a:p>
             <a:fld id="{62CE3EB7-E4D4-4F2B-BA48-1BF5AFD9F61D}" type="datetimeFigureOut">
               <a:rPr lang="en-US" smtClean="0"/>
-              <a:t>18-Feb-23</a:t>
+              <a:t>26-Feb-23</a:t>
             </a:fld>
             <a:endParaRPr lang="en-US"/>
           </a:p>
@@ -878,7 +875,7 @@
           <a:p>
             <a:fld id="{62CE3EB7-E4D4-4F2B-BA48-1BF5AFD9F61D}" type="datetimeFigureOut">
               <a:rPr lang="en-US" smtClean="0"/>
-              <a:t>18-Feb-23</a:t>
+              <a:t>26-Feb-23</a:t>
             </a:fld>
             <a:endParaRPr lang="en-US"/>
           </a:p>
@@ -1153,7 +1150,7 @@
           <a:p>
             <a:fld id="{62CE3EB7-E4D4-4F2B-BA48-1BF5AFD9F61D}" type="datetimeFigureOut">
               <a:rPr lang="en-US" smtClean="0"/>
-              <a:t>18-Feb-23</a:t>
+              <a:t>26-Feb-23</a:t>
             </a:fld>
             <a:endParaRPr lang="en-US"/>
           </a:p>
@@ -1418,7 +1415,7 @@
           <a:p>
             <a:fld id="{62CE3EB7-E4D4-4F2B-BA48-1BF5AFD9F61D}" type="datetimeFigureOut">
               <a:rPr lang="en-US" smtClean="0"/>
-              <a:t>18-Feb-23</a:t>
+              <a:t>26-Feb-23</a:t>
             </a:fld>
             <a:endParaRPr lang="en-US"/>
           </a:p>
@@ -1830,7 +1827,7 @@
           <a:p>
             <a:fld id="{62CE3EB7-E4D4-4F2B-BA48-1BF5AFD9F61D}" type="datetimeFigureOut">
               <a:rPr lang="en-US" smtClean="0"/>
-              <a:t>18-Feb-23</a:t>
+              <a:t>26-Feb-23</a:t>
             </a:fld>
             <a:endParaRPr lang="en-US"/>
           </a:p>
@@ -1971,7 +1968,7 @@
           <a:p>
             <a:fld id="{62CE3EB7-E4D4-4F2B-BA48-1BF5AFD9F61D}" type="datetimeFigureOut">
               <a:rPr lang="en-US" smtClean="0"/>
-              <a:t>18-Feb-23</a:t>
+              <a:t>26-Feb-23</a:t>
             </a:fld>
             <a:endParaRPr lang="en-US"/>
           </a:p>
@@ -2084,7 +2081,7 @@
           <a:p>
             <a:fld id="{62CE3EB7-E4D4-4F2B-BA48-1BF5AFD9F61D}" type="datetimeFigureOut">
               <a:rPr lang="en-US" smtClean="0"/>
-              <a:t>18-Feb-23</a:t>
+              <a:t>26-Feb-23</a:t>
             </a:fld>
             <a:endParaRPr lang="en-US"/>
           </a:p>
@@ -2395,7 +2392,7 @@
           <a:p>
             <a:fld id="{62CE3EB7-E4D4-4F2B-BA48-1BF5AFD9F61D}" type="datetimeFigureOut">
               <a:rPr lang="en-US" smtClean="0"/>
-              <a:t>18-Feb-23</a:t>
+              <a:t>26-Feb-23</a:t>
             </a:fld>
             <a:endParaRPr lang="en-US"/>
           </a:p>
@@ -2683,7 +2680,7 @@
           <a:p>
             <a:fld id="{62CE3EB7-E4D4-4F2B-BA48-1BF5AFD9F61D}" type="datetimeFigureOut">
               <a:rPr lang="en-US" smtClean="0"/>
-              <a:t>18-Feb-23</a:t>
+              <a:t>26-Feb-23</a:t>
             </a:fld>
             <a:endParaRPr lang="en-US"/>
           </a:p>
@@ -2924,7 +2921,7 @@
           <a:p>
             <a:fld id="{62CE3EB7-E4D4-4F2B-BA48-1BF5AFD9F61D}" type="datetimeFigureOut">
               <a:rPr lang="en-US" smtClean="0"/>
-              <a:t>18-Feb-23</a:t>
+              <a:t>26-Feb-23</a:t>
             </a:fld>
             <a:endParaRPr lang="en-US"/>
           </a:p>
@@ -3452,104 +3449,6 @@
           </a:p>
         </p:txBody>
       </p:sp>
-      <p:sp>
-        <p:nvSpPr>
-          <p:cNvPr id="11" name="Rectangle: Rounded Corners 10">
-            <a:extLst>
-              <a:ext uri="{FF2B5EF4-FFF2-40B4-BE49-F238E27FC236}">
-                <a16:creationId xmlns:a16="http://schemas.microsoft.com/office/drawing/2014/main" id="{D8689C24-D763-566C-CFB7-3F1152DF9CEC}"/>
-              </a:ext>
-            </a:extLst>
-          </p:cNvPr>
-          <p:cNvSpPr/>
-          <p:nvPr/>
-        </p:nvSpPr>
-        <p:spPr>
-          <a:xfrm>
-            <a:off x="0" y="3429000"/>
-            <a:ext cx="171450" cy="2847975"/>
-          </a:xfrm>
-          <a:prstGeom prst="roundRect">
-            <a:avLst/>
-          </a:prstGeom>
-          <a:solidFill>
-            <a:schemeClr val="tx1">
-              <a:lumMod val="65000"/>
-              <a:lumOff val="35000"/>
-            </a:schemeClr>
-          </a:solidFill>
-          <a:ln>
-            <a:noFill/>
-          </a:ln>
-        </p:spPr>
-        <p:style>
-          <a:lnRef idx="2">
-            <a:schemeClr val="accent1">
-              <a:shade val="50000"/>
-            </a:schemeClr>
-          </a:lnRef>
-          <a:fillRef idx="1">
-            <a:schemeClr val="accent1"/>
-          </a:fillRef>
-          <a:effectRef idx="0">
-            <a:schemeClr val="accent1"/>
-          </a:effectRef>
-          <a:fontRef idx="minor">
-            <a:schemeClr val="lt1"/>
-          </a:fontRef>
-        </p:style>
-        <p:txBody>
-          <a:bodyPr rtlCol="0" anchor="ctr"/>
-          <a:lstStyle/>
-          <a:p>
-            <a:pPr algn="ctr"/>
-            <a:endParaRPr lang="en-US"/>
-          </a:p>
-        </p:txBody>
-      </p:sp>
-      <p:sp>
-        <p:nvSpPr>
-          <p:cNvPr id="12" name="TextBox 11">
-            <a:extLst>
-              <a:ext uri="{FF2B5EF4-FFF2-40B4-BE49-F238E27FC236}">
-                <a16:creationId xmlns:a16="http://schemas.microsoft.com/office/drawing/2014/main" id="{EC6812A2-8289-7445-A07D-6E178DFDC777}"/>
-              </a:ext>
-            </a:extLst>
-          </p:cNvPr>
-          <p:cNvSpPr txBox="1"/>
-          <p:nvPr/>
-        </p:nvSpPr>
-        <p:spPr>
-          <a:xfrm>
-            <a:off x="171450" y="4743450"/>
-            <a:ext cx="5676900" cy="523220"/>
-          </a:xfrm>
-          <a:prstGeom prst="rect">
-            <a:avLst/>
-          </a:prstGeom>
-          <a:noFill/>
-        </p:spPr>
-        <p:txBody>
-          <a:bodyPr wrap="square" rtlCol="0">
-            <a:spAutoFit/>
-          </a:bodyPr>
-          <a:lstStyle/>
-          <a:p>
-            <a:r>
-              <a:rPr lang="en-US" dirty="0">
-                <a:latin typeface="Georgia" panose="02040502050405020303" pitchFamily="18" charset="0"/>
-              </a:rPr>
-              <a:t>Presented by: </a:t>
-            </a:r>
-            <a:r>
-              <a:rPr lang="en-US" sz="2800" b="1" dirty="0">
-                <a:latin typeface="Georgia" panose="02040502050405020303" pitchFamily="18" charset="0"/>
-              </a:rPr>
-              <a:t>Gabriel </a:t>
-            </a:r>
-          </a:p>
-        </p:txBody>
-      </p:sp>
     </p:spTree>
     <p:extLst>
       <p:ext uri="{BB962C8B-B14F-4D97-AF65-F5344CB8AC3E}">
@@ -3640,10 +3539,10 @@
         <mc:Choice xmlns:we="http://schemas.microsoft.com/office/webextensions/webextension/2010/11" xmlns:pca="http://schemas.microsoft.com/office/powerpoint/2013/contentapp" Requires="we pca">
           <p:graphicFrame>
             <p:nvGraphicFramePr>
-              <p:cNvPr id="3" name="Add-in" descr="Add-in content for Microsoft Power BI.">
+              <p:cNvPr id="3" name="Add-in 2" title="Microsoft Power BI">
                 <a:extLst>
                   <a:ext uri="{FF2B5EF4-FFF2-40B4-BE49-F238E27FC236}">
-                    <a16:creationId xmlns:a16="http://schemas.microsoft.com/office/drawing/2014/main" id="{89443EC4-968D-5CB6-7A3D-E0087E834DA2}"/>
+                    <a16:creationId xmlns:a16="http://schemas.microsoft.com/office/drawing/2014/main" id="{E59D74B7-1C31-FB06-585B-35DF0CE44633}"/>
                   </a:ext>
                 </a:extLst>
               </p:cNvPr>
@@ -3653,14 +3552,14 @@
               <p:nvPr>
                 <p:extLst>
                   <p:ext uri="{D42A27DB-BD31-4B8C-83A1-F6EECF244321}">
-                    <p14:modId xmlns:p14="http://schemas.microsoft.com/office/powerpoint/2010/main" val="3010811704"/>
+                    <p14:modId xmlns:p14="http://schemas.microsoft.com/office/powerpoint/2010/main" val="2588840359"/>
                   </p:ext>
                 </p:extLst>
               </p:nvPr>
             </p:nvGraphicFramePr>
             <p:xfrm>
-              <a:off x="342900" y="133351"/>
-              <a:ext cx="11128088" cy="6373254"/>
+              <a:off x="292963" y="257452"/>
+              <a:ext cx="11647503" cy="6383045"/>
             </p:xfrm>
             <a:graphic>
               <a:graphicData uri="http://schemas.microsoft.com/office/webextensions/webextension/2010/11">
@@ -3672,10 +3571,10 @@
         <mc:Fallback>
           <p:pic>
             <p:nvPicPr>
-              <p:cNvPr id="3" name="Add-in" descr="Add-in content for Microsoft Power BI.">
+              <p:cNvPr id="3" name="Add-in 2" title="Microsoft Power BI">
                 <a:extLst>
                   <a:ext uri="{FF2B5EF4-FFF2-40B4-BE49-F238E27FC236}">
-                    <a16:creationId xmlns:a16="http://schemas.microsoft.com/office/drawing/2014/main" id="{89443EC4-968D-5CB6-7A3D-E0087E834DA2}"/>
+                    <a16:creationId xmlns:a16="http://schemas.microsoft.com/office/drawing/2014/main" id="{E59D74B7-1C31-FB06-585B-35DF0CE44633}"/>
                   </a:ext>
                 </a:extLst>
               </p:cNvPr>
@@ -3692,8 +3591,8 @@
             </p:blipFill>
             <p:spPr>
               <a:xfrm>
-                <a:off x="342900" y="133351"/>
-                <a:ext cx="11128088" cy="6373254"/>
+                <a:off x="292963" y="257452"/>
+                <a:ext cx="11647503" cy="6383045"/>
               </a:xfrm>
               <a:prstGeom prst="rect">
                 <a:avLst/>
@@ -3702,483 +3601,21 @@
           </p:pic>
         </mc:Fallback>
       </mc:AlternateContent>
-    </p:spTree>
-    <p:extLst>
-      <p:ext uri="{BB962C8B-B14F-4D97-AF65-F5344CB8AC3E}">
-        <p14:creationId xmlns:p14="http://schemas.microsoft.com/office/powerpoint/2010/main" val="3098709554"/>
-      </p:ext>
-    </p:extLst>
-  </p:cSld>
-  <p:clrMapOvr>
-    <a:masterClrMapping/>
-  </p:clrMapOvr>
-</p:sld>
-</file>
-
-<file path=ppt/slides/slide11.xml><?xml version="1.0" encoding="utf-8"?>
-<p:sld xmlns:a="http://schemas.openxmlformats.org/drawingml/2006/main" xmlns:r="http://schemas.openxmlformats.org/officeDocument/2006/relationships" xmlns:p="http://schemas.openxmlformats.org/presentationml/2006/main">
-  <p:cSld>
-    <p:spTree>
-      <p:nvGrpSpPr>
-        <p:cNvPr id="1" name=""/>
-        <p:cNvGrpSpPr/>
-        <p:nvPr/>
-      </p:nvGrpSpPr>
-      <p:grpSpPr>
-        <a:xfrm>
-          <a:off x="0" y="0"/>
-          <a:ext cx="0" cy="0"/>
-          <a:chOff x="0" y="0"/>
-          <a:chExt cx="0" cy="0"/>
-        </a:xfrm>
-      </p:grpSpPr>
-      <p:sp>
-        <p:nvSpPr>
-          <p:cNvPr id="2" name="Rectangle 1">
-            <a:extLst>
-              <a:ext uri="{FF2B5EF4-FFF2-40B4-BE49-F238E27FC236}">
-                <a16:creationId xmlns:a16="http://schemas.microsoft.com/office/drawing/2014/main" id="{EA7A050B-AF25-347C-F038-CB96AC0D7CF2}"/>
-              </a:ext>
-            </a:extLst>
-          </p:cNvPr>
-          <p:cNvSpPr/>
+      <p:sp>
+        <p:nvSpPr>
+          <p:cNvPr id="6" name="TextBox 5">
+            <a:extLst>
+              <a:ext uri="{FF2B5EF4-FFF2-40B4-BE49-F238E27FC236}">
+                <a16:creationId xmlns:a16="http://schemas.microsoft.com/office/drawing/2014/main" id="{12B4E2C2-CF02-BB52-3680-2D72FF2885D4}"/>
+              </a:ext>
+            </a:extLst>
+          </p:cNvPr>
+          <p:cNvSpPr txBox="1"/>
           <p:nvPr/>
         </p:nvSpPr>
         <p:spPr>
           <a:xfrm>
-            <a:off x="0" y="0"/>
-            <a:ext cx="12351798" cy="6858000"/>
-          </a:xfrm>
-          <a:prstGeom prst="rect">
-            <a:avLst/>
-          </a:prstGeom>
-          <a:solidFill>
-            <a:schemeClr val="bg1"/>
-          </a:solidFill>
-          <a:ln>
-            <a:solidFill>
-              <a:schemeClr val="bg1">
-                <a:lumMod val="95000"/>
-              </a:schemeClr>
-            </a:solidFill>
-          </a:ln>
-        </p:spPr>
-        <p:style>
-          <a:lnRef idx="2">
-            <a:schemeClr val="accent1">
-              <a:shade val="50000"/>
-            </a:schemeClr>
-          </a:lnRef>
-          <a:fillRef idx="1">
-            <a:schemeClr val="accent1"/>
-          </a:fillRef>
-          <a:effectRef idx="0">
-            <a:schemeClr val="accent1"/>
-          </a:effectRef>
-          <a:fontRef idx="minor">
-            <a:schemeClr val="lt1"/>
-          </a:fontRef>
-        </p:style>
-        <p:txBody>
-          <a:bodyPr rtlCol="0" anchor="ctr"/>
-          <a:lstStyle/>
-          <a:p>
-            <a:pPr algn="ctr"/>
-            <a:endParaRPr lang="en-US" dirty="0"/>
-          </a:p>
-        </p:txBody>
-      </p:sp>
-      <mc:AlternateContent xmlns:mc="http://schemas.openxmlformats.org/markup-compatibility/2006">
-        <mc:Choice xmlns:we="http://schemas.microsoft.com/office/webextensions/webextension/2010/11" xmlns:pca="http://schemas.microsoft.com/office/powerpoint/2013/contentapp" Requires="we pca">
-          <p:graphicFrame>
-            <p:nvGraphicFramePr>
-              <p:cNvPr id="3" name="Add-in" descr="Add-in content for Microsoft Power BI.">
-                <a:extLst>
-                  <a:ext uri="{FF2B5EF4-FFF2-40B4-BE49-F238E27FC236}">
-                    <a16:creationId xmlns:a16="http://schemas.microsoft.com/office/drawing/2014/main" id="{F98A5D82-3CE7-F8B2-D270-83A7777A64F4}"/>
-                  </a:ext>
-                </a:extLst>
-              </p:cNvPr>
-              <p:cNvGraphicFramePr>
-                <a:graphicFrameLocks noGrp="1"/>
-              </p:cNvGraphicFramePr>
-              <p:nvPr>
-                <p:extLst>
-                  <p:ext uri="{D42A27DB-BD31-4B8C-83A1-F6EECF244321}">
-                    <p14:modId xmlns:p14="http://schemas.microsoft.com/office/powerpoint/2010/main" val="2356328283"/>
-                  </p:ext>
-                </p:extLst>
-              </p:nvPr>
-            </p:nvGraphicFramePr>
-            <p:xfrm>
-              <a:off x="0" y="0"/>
-              <a:ext cx="12351798" cy="6857999"/>
-            </p:xfrm>
-            <a:graphic>
-              <a:graphicData uri="http://schemas.microsoft.com/office/webextensions/webextension/2010/11">
-                <we:webextensionref xmlns:we="http://schemas.microsoft.com/office/webextensions/webextension/2010/11" xmlns:r="http://schemas.openxmlformats.org/officeDocument/2006/relationships" r:id="rId2"/>
-              </a:graphicData>
-            </a:graphic>
-          </p:graphicFrame>
-        </mc:Choice>
-        <mc:Fallback>
-          <p:pic>
-            <p:nvPicPr>
-              <p:cNvPr id="3" name="Add-in" descr="Add-in content for Microsoft Power BI.">
-                <a:extLst>
-                  <a:ext uri="{FF2B5EF4-FFF2-40B4-BE49-F238E27FC236}">
-                    <a16:creationId xmlns:a16="http://schemas.microsoft.com/office/drawing/2014/main" id="{F98A5D82-3CE7-F8B2-D270-83A7777A64F4}"/>
-                  </a:ext>
-                </a:extLst>
-              </p:cNvPr>
-              <p:cNvPicPr>
-                <a:picLocks noGrp="1" noRot="1" noChangeAspect="1" noMove="1" noResize="1" noEditPoints="1" noAdjustHandles="1" noChangeArrowheads="1" noChangeShapeType="1"/>
-              </p:cNvPicPr>
-              <p:nvPr/>
-            </p:nvPicPr>
-            <p:blipFill>
-              <a:blip r:embed="rId3"/>
-              <a:stretch>
-                <a:fillRect/>
-              </a:stretch>
-            </p:blipFill>
-            <p:spPr>
-              <a:xfrm>
-                <a:off x="0" y="0"/>
-                <a:ext cx="12351798" cy="6857999"/>
-              </a:xfrm>
-              <a:prstGeom prst="rect">
-                <a:avLst/>
-              </a:prstGeom>
-            </p:spPr>
-          </p:pic>
-        </mc:Fallback>
-      </mc:AlternateContent>
-    </p:spTree>
-    <p:extLst>
-      <p:ext uri="{BB962C8B-B14F-4D97-AF65-F5344CB8AC3E}">
-        <p14:creationId xmlns:p14="http://schemas.microsoft.com/office/powerpoint/2010/main" val="4029583487"/>
-      </p:ext>
-    </p:extLst>
-  </p:cSld>
-  <p:clrMapOvr>
-    <a:masterClrMapping/>
-  </p:clrMapOvr>
-</p:sld>
-</file>
-
-<file path=ppt/slides/slide12.xml><?xml version="1.0" encoding="utf-8"?>
-<p:sld xmlns:a="http://schemas.openxmlformats.org/drawingml/2006/main" xmlns:r="http://schemas.openxmlformats.org/officeDocument/2006/relationships" xmlns:p="http://schemas.openxmlformats.org/presentationml/2006/main">
-  <p:cSld>
-    <p:spTree>
-      <p:nvGrpSpPr>
-        <p:cNvPr id="1" name=""/>
-        <p:cNvGrpSpPr/>
-        <p:nvPr/>
-      </p:nvGrpSpPr>
-      <p:grpSpPr>
-        <a:xfrm>
-          <a:off x="0" y="0"/>
-          <a:ext cx="0" cy="0"/>
-          <a:chOff x="0" y="0"/>
-          <a:chExt cx="0" cy="0"/>
-        </a:xfrm>
-      </p:grpSpPr>
-      <p:sp>
-        <p:nvSpPr>
-          <p:cNvPr id="2" name="Rectangle 1">
-            <a:extLst>
-              <a:ext uri="{FF2B5EF4-FFF2-40B4-BE49-F238E27FC236}">
-                <a16:creationId xmlns:a16="http://schemas.microsoft.com/office/drawing/2014/main" id="{EA7A050B-AF25-347C-F038-CB96AC0D7CF2}"/>
-              </a:ext>
-            </a:extLst>
-          </p:cNvPr>
-          <p:cNvSpPr/>
-          <p:nvPr/>
-        </p:nvSpPr>
-        <p:spPr>
-          <a:xfrm>
-            <a:off x="0" y="0"/>
-            <a:ext cx="12351798" cy="6858000"/>
-          </a:xfrm>
-          <a:prstGeom prst="rect">
-            <a:avLst/>
-          </a:prstGeom>
-          <a:solidFill>
-            <a:schemeClr val="bg1"/>
-          </a:solidFill>
-          <a:ln>
-            <a:solidFill>
-              <a:schemeClr val="bg1">
-                <a:lumMod val="95000"/>
-              </a:schemeClr>
-            </a:solidFill>
-          </a:ln>
-        </p:spPr>
-        <p:style>
-          <a:lnRef idx="2">
-            <a:schemeClr val="accent1">
-              <a:shade val="50000"/>
-            </a:schemeClr>
-          </a:lnRef>
-          <a:fillRef idx="1">
-            <a:schemeClr val="accent1"/>
-          </a:fillRef>
-          <a:effectRef idx="0">
-            <a:schemeClr val="accent1"/>
-          </a:effectRef>
-          <a:fontRef idx="minor">
-            <a:schemeClr val="lt1"/>
-          </a:fontRef>
-        </p:style>
-        <p:txBody>
-          <a:bodyPr rtlCol="0" anchor="ctr"/>
-          <a:lstStyle/>
-          <a:p>
-            <a:pPr algn="ctr"/>
-            <a:endParaRPr lang="en-US" dirty="0"/>
-          </a:p>
-        </p:txBody>
-      </p:sp>
-      <mc:AlternateContent xmlns:mc="http://schemas.openxmlformats.org/markup-compatibility/2006">
-        <mc:Choice xmlns:we="http://schemas.microsoft.com/office/webextensions/webextension/2010/11" xmlns:pca="http://schemas.microsoft.com/office/powerpoint/2013/contentapp" Requires="we pca">
-          <p:graphicFrame>
-            <p:nvGraphicFramePr>
-              <p:cNvPr id="3" name="Add-in" descr="Add-in content for Microsoft Power BI.">
-                <a:extLst>
-                  <a:ext uri="{FF2B5EF4-FFF2-40B4-BE49-F238E27FC236}">
-                    <a16:creationId xmlns:a16="http://schemas.microsoft.com/office/drawing/2014/main" id="{63192BE8-03BE-A085-7323-97BEDA182E12}"/>
-                  </a:ext>
-                </a:extLst>
-              </p:cNvPr>
-              <p:cNvGraphicFramePr>
-                <a:graphicFrameLocks noGrp="1"/>
-              </p:cNvGraphicFramePr>
-              <p:nvPr>
-                <p:extLst>
-                  <p:ext uri="{D42A27DB-BD31-4B8C-83A1-F6EECF244321}">
-                    <p14:modId xmlns:p14="http://schemas.microsoft.com/office/powerpoint/2010/main" val="3762828691"/>
-                  </p:ext>
-                </p:extLst>
-              </p:nvPr>
-            </p:nvGraphicFramePr>
-            <p:xfrm>
-              <a:off x="0" y="0"/>
-              <a:ext cx="12351798" cy="6857999"/>
-            </p:xfrm>
-            <a:graphic>
-              <a:graphicData uri="http://schemas.microsoft.com/office/webextensions/webextension/2010/11">
-                <we:webextensionref xmlns:we="http://schemas.microsoft.com/office/webextensions/webextension/2010/11" xmlns:r="http://schemas.openxmlformats.org/officeDocument/2006/relationships" r:id="rId2"/>
-              </a:graphicData>
-            </a:graphic>
-          </p:graphicFrame>
-        </mc:Choice>
-        <mc:Fallback>
-          <p:pic>
-            <p:nvPicPr>
-              <p:cNvPr id="3" name="Add-in" descr="Add-in content for Microsoft Power BI.">
-                <a:extLst>
-                  <a:ext uri="{FF2B5EF4-FFF2-40B4-BE49-F238E27FC236}">
-                    <a16:creationId xmlns:a16="http://schemas.microsoft.com/office/drawing/2014/main" id="{63192BE8-03BE-A085-7323-97BEDA182E12}"/>
-                  </a:ext>
-                </a:extLst>
-              </p:cNvPr>
-              <p:cNvPicPr>
-                <a:picLocks noGrp="1" noRot="1" noChangeAspect="1" noMove="1" noResize="1" noEditPoints="1" noAdjustHandles="1" noChangeArrowheads="1" noChangeShapeType="1"/>
-              </p:cNvPicPr>
-              <p:nvPr/>
-            </p:nvPicPr>
-            <p:blipFill>
-              <a:blip r:embed="rId3"/>
-              <a:stretch>
-                <a:fillRect/>
-              </a:stretch>
-            </p:blipFill>
-            <p:spPr>
-              <a:xfrm>
-                <a:off x="0" y="0"/>
-                <a:ext cx="12351798" cy="6857999"/>
-              </a:xfrm>
-              <a:prstGeom prst="rect">
-                <a:avLst/>
-              </a:prstGeom>
-            </p:spPr>
-          </p:pic>
-        </mc:Fallback>
-      </mc:AlternateContent>
-    </p:spTree>
-    <p:extLst>
-      <p:ext uri="{BB962C8B-B14F-4D97-AF65-F5344CB8AC3E}">
-        <p14:creationId xmlns:p14="http://schemas.microsoft.com/office/powerpoint/2010/main" val="3664052962"/>
-      </p:ext>
-    </p:extLst>
-  </p:cSld>
-  <p:clrMapOvr>
-    <a:masterClrMapping/>
-  </p:clrMapOvr>
-</p:sld>
-</file>
-
-<file path=ppt/slides/slide13.xml><?xml version="1.0" encoding="utf-8"?>
-<p:sld xmlns:a="http://schemas.openxmlformats.org/drawingml/2006/main" xmlns:r="http://schemas.openxmlformats.org/officeDocument/2006/relationships" xmlns:p="http://schemas.openxmlformats.org/presentationml/2006/main">
-  <p:cSld>
-    <p:spTree>
-      <p:nvGrpSpPr>
-        <p:cNvPr id="1" name=""/>
-        <p:cNvGrpSpPr/>
-        <p:nvPr/>
-      </p:nvGrpSpPr>
-      <p:grpSpPr>
-        <a:xfrm>
-          <a:off x="0" y="0"/>
-          <a:ext cx="0" cy="0"/>
-          <a:chOff x="0" y="0"/>
-          <a:chExt cx="0" cy="0"/>
-        </a:xfrm>
-      </p:grpSpPr>
-      <p:sp>
-        <p:nvSpPr>
-          <p:cNvPr id="2" name="Rectangle 1">
-            <a:extLst>
-              <a:ext uri="{FF2B5EF4-FFF2-40B4-BE49-F238E27FC236}">
-                <a16:creationId xmlns:a16="http://schemas.microsoft.com/office/drawing/2014/main" id="{EA7A050B-AF25-347C-F038-CB96AC0D7CF2}"/>
-              </a:ext>
-            </a:extLst>
-          </p:cNvPr>
-          <p:cNvSpPr/>
-          <p:nvPr/>
-        </p:nvSpPr>
-        <p:spPr>
-          <a:xfrm>
-            <a:off x="0" y="0"/>
-            <a:ext cx="12351798" cy="6858000"/>
-          </a:xfrm>
-          <a:prstGeom prst="rect">
-            <a:avLst/>
-          </a:prstGeom>
-          <a:solidFill>
-            <a:schemeClr val="bg1"/>
-          </a:solidFill>
-          <a:ln>
-            <a:solidFill>
-              <a:schemeClr val="bg1">
-                <a:lumMod val="95000"/>
-              </a:schemeClr>
-            </a:solidFill>
-          </a:ln>
-        </p:spPr>
-        <p:style>
-          <a:lnRef idx="2">
-            <a:schemeClr val="accent1">
-              <a:shade val="50000"/>
-            </a:schemeClr>
-          </a:lnRef>
-          <a:fillRef idx="1">
-            <a:schemeClr val="accent1"/>
-          </a:fillRef>
-          <a:effectRef idx="0">
-            <a:schemeClr val="accent1"/>
-          </a:effectRef>
-          <a:fontRef idx="minor">
-            <a:schemeClr val="lt1"/>
-          </a:fontRef>
-        </p:style>
-        <p:txBody>
-          <a:bodyPr rtlCol="0" anchor="ctr"/>
-          <a:lstStyle/>
-          <a:p>
-            <a:pPr algn="ctr"/>
-            <a:r>
-              <a:rPr lang="en-US">
-                <a:hlinkClick r:id="rId2"/>
-              </a:rPr>
-              <a:t>complaints viz - Power BI</a:t>
-            </a:r>
-            <a:endParaRPr lang="en-US" dirty="0"/>
-          </a:p>
-        </p:txBody>
-      </p:sp>
-      <mc:AlternateContent xmlns:mc="http://schemas.openxmlformats.org/markup-compatibility/2006">
-        <mc:Choice xmlns:we="http://schemas.microsoft.com/office/webextensions/webextension/2010/11" xmlns:pca="http://schemas.microsoft.com/office/powerpoint/2013/contentapp" Requires="we pca">
-          <p:graphicFrame>
-            <p:nvGraphicFramePr>
-              <p:cNvPr id="3" name="Add-in 2" title="Microsoft Power BI">
-                <a:extLst>
-                  <a:ext uri="{FF2B5EF4-FFF2-40B4-BE49-F238E27FC236}">
-                    <a16:creationId xmlns:a16="http://schemas.microsoft.com/office/drawing/2014/main" id="{4DBE47F6-21AF-8821-FFBC-76FECBAF76B3}"/>
-                  </a:ext>
-                </a:extLst>
-              </p:cNvPr>
-              <p:cNvGraphicFramePr>
-                <a:graphicFrameLocks noGrp="1"/>
-              </p:cNvGraphicFramePr>
-              <p:nvPr>
-                <p:extLst>
-                  <p:ext uri="{D42A27DB-BD31-4B8C-83A1-F6EECF244321}">
-                    <p14:modId xmlns:p14="http://schemas.microsoft.com/office/powerpoint/2010/main" val="3855688730"/>
-                  </p:ext>
-                </p:extLst>
-              </p:nvPr>
-            </p:nvGraphicFramePr>
-            <p:xfrm>
-              <a:off x="1524000" y="712469"/>
-              <a:ext cx="9296400" cy="6069332"/>
-            </p:xfrm>
-            <a:graphic>
-              <a:graphicData uri="http://schemas.microsoft.com/office/webextensions/webextension/2010/11">
-                <we:webextensionref xmlns:we="http://schemas.microsoft.com/office/webextensions/webextension/2010/11" xmlns:r="http://schemas.openxmlformats.org/officeDocument/2006/relationships" r:id="rId3"/>
-              </a:graphicData>
-            </a:graphic>
-          </p:graphicFrame>
-        </mc:Choice>
-        <mc:Fallback>
-          <p:pic>
-            <p:nvPicPr>
-              <p:cNvPr id="3" name="Add-in 2" title="Microsoft Power BI">
-                <a:extLst>
-                  <a:ext uri="{FF2B5EF4-FFF2-40B4-BE49-F238E27FC236}">
-                    <a16:creationId xmlns:a16="http://schemas.microsoft.com/office/drawing/2014/main" id="{4DBE47F6-21AF-8821-FFBC-76FECBAF76B3}"/>
-                  </a:ext>
-                </a:extLst>
-              </p:cNvPr>
-              <p:cNvPicPr>
-                <a:picLocks noGrp="1" noRot="1" noChangeAspect="1" noMove="1" noResize="1" noEditPoints="1" noAdjustHandles="1" noChangeArrowheads="1" noChangeShapeType="1"/>
-              </p:cNvPicPr>
-              <p:nvPr/>
-            </p:nvPicPr>
-            <p:blipFill>
-              <a:blip r:embed="rId4"/>
-              <a:stretch>
-                <a:fillRect/>
-              </a:stretch>
-            </p:blipFill>
-            <p:spPr>
-              <a:xfrm>
-                <a:off x="1524000" y="712469"/>
-                <a:ext cx="9296400" cy="6069332"/>
-              </a:xfrm>
-              <a:prstGeom prst="rect">
-                <a:avLst/>
-              </a:prstGeom>
-            </p:spPr>
-          </p:pic>
-        </mc:Fallback>
-      </mc:AlternateContent>
-      <p:sp>
-        <p:nvSpPr>
-          <p:cNvPr id="6" name="TextBox 5">
-            <a:extLst>
-              <a:ext uri="{FF2B5EF4-FFF2-40B4-BE49-F238E27FC236}">
-                <a16:creationId xmlns:a16="http://schemas.microsoft.com/office/drawing/2014/main" id="{12B4E2C2-CF02-BB52-3680-2D72FF2885D4}"/>
-              </a:ext>
-            </a:extLst>
-          </p:cNvPr>
-          <p:cNvSpPr txBox="1"/>
-          <p:nvPr/>
-        </p:nvSpPr>
-        <p:spPr>
-          <a:xfrm>
-            <a:off x="6096001" y="2876216"/>
+            <a:off x="7054790" y="2902849"/>
             <a:ext cx="3287696" cy="2062103"/>
           </a:xfrm>
           <a:prstGeom prst="rect">
@@ -4400,7 +3837,7 @@
 </p:sld>
 </file>
 
-<file path=ppt/slides/slide14.xml><?xml version="1.0" encoding="utf-8"?>
+<file path=ppt/slides/slide11.xml><?xml version="1.0" encoding="utf-8"?>
 <p:sld xmlns:a="http://schemas.openxmlformats.org/drawingml/2006/main" xmlns:r="http://schemas.openxmlformats.org/officeDocument/2006/relationships" xmlns:p="http://schemas.openxmlformats.org/presentationml/2006/main">
   <p:cSld>
     <p:spTree>
@@ -4473,14 +3910,115 @@
           </a:p>
         </p:txBody>
       </p:sp>
+      <p:sp>
+        <p:nvSpPr>
+          <p:cNvPr id="4" name="TextBox 3">
+            <a:extLst>
+              <a:ext uri="{FF2B5EF4-FFF2-40B4-BE49-F238E27FC236}">
+                <a16:creationId xmlns:a16="http://schemas.microsoft.com/office/drawing/2014/main" id="{08AEA836-EA7F-5D52-9808-C2B36302F8FA}"/>
+              </a:ext>
+            </a:extLst>
+          </p:cNvPr>
+          <p:cNvSpPr txBox="1"/>
+          <p:nvPr/>
+        </p:nvSpPr>
+        <p:spPr>
+          <a:xfrm>
+            <a:off x="0" y="949762"/>
+            <a:ext cx="3932808" cy="2554545"/>
+          </a:xfrm>
+          <a:prstGeom prst="rect">
+            <a:avLst/>
+          </a:prstGeom>
+          <a:noFill/>
+        </p:spPr>
+        <p:txBody>
+          <a:bodyPr wrap="square" rtlCol="0">
+            <a:spAutoFit/>
+          </a:bodyPr>
+          <a:lstStyle/>
+          <a:p>
+            <a:pPr marL="342900" indent="-342900">
+              <a:buFont typeface="Arial" panose="020B0604020202020204" pitchFamily="34" charset="0"/>
+              <a:buChar char="•"/>
+            </a:pPr>
+            <a:endParaRPr lang="en-US" sz="1600" b="1" dirty="0">
+              <a:solidFill>
+                <a:srgbClr val="118DFF"/>
+              </a:solidFill>
+              <a:latin typeface="Georgia" panose="02040502050405020303" pitchFamily="18" charset="0"/>
+            </a:endParaRPr>
+          </a:p>
+          <a:p>
+            <a:pPr marL="342900" indent="-342900">
+              <a:buFont typeface="Arial" panose="020B0604020202020204" pitchFamily="34" charset="0"/>
+              <a:buChar char="•"/>
+            </a:pPr>
+            <a:r>
+              <a:rPr lang="en-US" sz="1600" b="1" dirty="0">
+                <a:solidFill>
+                  <a:srgbClr val="118DFF"/>
+                </a:solidFill>
+                <a:latin typeface="Georgia" panose="02040502050405020303" pitchFamily="18" charset="0"/>
+              </a:rPr>
+              <a:t>Product type plays no significant role in why frequency of issues is stagnant after 2015</a:t>
+            </a:r>
+          </a:p>
+          <a:p>
+            <a:pPr marL="342900" indent="-342900">
+              <a:buFont typeface="Arial" panose="020B0604020202020204" pitchFamily="34" charset="0"/>
+              <a:buChar char="•"/>
+            </a:pPr>
+            <a:endParaRPr lang="en-US" sz="1600" b="1" dirty="0">
+              <a:solidFill>
+                <a:srgbClr val="118DFF"/>
+              </a:solidFill>
+              <a:latin typeface="Georgia" panose="02040502050405020303" pitchFamily="18" charset="0"/>
+            </a:endParaRPr>
+          </a:p>
+          <a:p>
+            <a:pPr marL="342900" indent="-342900">
+              <a:buFont typeface="Arial" panose="020B0604020202020204" pitchFamily="34" charset="0"/>
+              <a:buChar char="•"/>
+            </a:pPr>
+            <a:endParaRPr lang="en-US" sz="1600" b="1" dirty="0">
+              <a:solidFill>
+                <a:srgbClr val="118DFF"/>
+              </a:solidFill>
+              <a:latin typeface="Georgia" panose="02040502050405020303" pitchFamily="18" charset="0"/>
+            </a:endParaRPr>
+          </a:p>
+          <a:p>
+            <a:pPr marL="342900" indent="-342900">
+              <a:buFont typeface="Arial" panose="020B0604020202020204" pitchFamily="34" charset="0"/>
+              <a:buChar char="•"/>
+            </a:pPr>
+            <a:r>
+              <a:rPr lang="en-US" sz="1600" b="1" dirty="0">
+                <a:solidFill>
+                  <a:srgbClr val="118DFF"/>
+                </a:solidFill>
+                <a:latin typeface="Georgia" panose="02040502050405020303" pitchFamily="18" charset="0"/>
+              </a:rPr>
+              <a:t>Issues are the same over time for every mode of submission except via web</a:t>
+            </a:r>
+            <a:endParaRPr lang="en-US" sz="1600" b="1" dirty="0">
+              <a:solidFill>
+                <a:srgbClr val="3C6CF4"/>
+              </a:solidFill>
+              <a:latin typeface="Georgia" panose="02040502050405020303" pitchFamily="18" charset="0"/>
+            </a:endParaRPr>
+          </a:p>
+        </p:txBody>
+      </p:sp>
       <mc:AlternateContent xmlns:mc="http://schemas.openxmlformats.org/markup-compatibility/2006">
         <mc:Choice xmlns:we="http://schemas.microsoft.com/office/webextensions/webextension/2010/11" xmlns:pca="http://schemas.microsoft.com/office/powerpoint/2013/contentapp" Requires="we pca">
           <p:graphicFrame>
             <p:nvGraphicFramePr>
-              <p:cNvPr id="3" name="Add-in" descr="Add-in content for Microsoft Power BI.">
+              <p:cNvPr id="3" name="Add-in 2" title="Microsoft Power BI">
                 <a:extLst>
                   <a:ext uri="{FF2B5EF4-FFF2-40B4-BE49-F238E27FC236}">
-                    <a16:creationId xmlns:a16="http://schemas.microsoft.com/office/drawing/2014/main" id="{80D4B454-8964-D102-F7A2-3B1D43C04055}"/>
+                    <a16:creationId xmlns:a16="http://schemas.microsoft.com/office/drawing/2014/main" id="{0F997217-4C28-0E19-560B-E413C231172D}"/>
                   </a:ext>
                 </a:extLst>
               </p:cNvPr>
@@ -4490,14 +4028,14 @@
               <p:nvPr>
                 <p:extLst>
                   <p:ext uri="{D42A27DB-BD31-4B8C-83A1-F6EECF244321}">
-                    <p14:modId xmlns:p14="http://schemas.microsoft.com/office/powerpoint/2010/main" val="4285250816"/>
+                    <p14:modId xmlns:p14="http://schemas.microsoft.com/office/powerpoint/2010/main" val="2050485006"/>
                   </p:ext>
                 </p:extLst>
               </p:nvPr>
             </p:nvGraphicFramePr>
             <p:xfrm>
-              <a:off x="2743200" y="1"/>
-              <a:ext cx="9608598" cy="6858000"/>
+              <a:off x="4332302" y="0"/>
+              <a:ext cx="8019495" cy="6858000"/>
             </p:xfrm>
             <a:graphic>
               <a:graphicData uri="http://schemas.microsoft.com/office/webextensions/webextension/2010/11">
@@ -4509,10 +4047,10 @@
         <mc:Fallback>
           <p:pic>
             <p:nvPicPr>
-              <p:cNvPr id="3" name="Add-in" descr="Add-in content for Microsoft Power BI.">
+              <p:cNvPr id="3" name="Add-in 2" title="Microsoft Power BI">
                 <a:extLst>
                   <a:ext uri="{FF2B5EF4-FFF2-40B4-BE49-F238E27FC236}">
-                    <a16:creationId xmlns:a16="http://schemas.microsoft.com/office/drawing/2014/main" id="{80D4B454-8964-D102-F7A2-3B1D43C04055}"/>
+                    <a16:creationId xmlns:a16="http://schemas.microsoft.com/office/drawing/2014/main" id="{0F997217-4C28-0E19-560B-E413C231172D}"/>
                   </a:ext>
                 </a:extLst>
               </p:cNvPr>
@@ -4529,8 +4067,8 @@
             </p:blipFill>
             <p:spPr>
               <a:xfrm>
-                <a:off x="2743200" y="1"/>
-                <a:ext cx="9608598" cy="6858000"/>
+                <a:off x="4332302" y="0"/>
+                <a:ext cx="8019495" cy="6858000"/>
               </a:xfrm>
               <a:prstGeom prst="rect">
                 <a:avLst/>
@@ -4539,107 +4077,6 @@
           </p:pic>
         </mc:Fallback>
       </mc:AlternateContent>
-      <p:sp>
-        <p:nvSpPr>
-          <p:cNvPr id="4" name="TextBox 3">
-            <a:extLst>
-              <a:ext uri="{FF2B5EF4-FFF2-40B4-BE49-F238E27FC236}">
-                <a16:creationId xmlns:a16="http://schemas.microsoft.com/office/drawing/2014/main" id="{08AEA836-EA7F-5D52-9808-C2B36302F8FA}"/>
-              </a:ext>
-            </a:extLst>
-          </p:cNvPr>
-          <p:cNvSpPr txBox="1"/>
-          <p:nvPr/>
-        </p:nvSpPr>
-        <p:spPr>
-          <a:xfrm>
-            <a:off x="0" y="949762"/>
-            <a:ext cx="3932808" cy="2554545"/>
-          </a:xfrm>
-          <a:prstGeom prst="rect">
-            <a:avLst/>
-          </a:prstGeom>
-          <a:noFill/>
-        </p:spPr>
-        <p:txBody>
-          <a:bodyPr wrap="square" rtlCol="0">
-            <a:spAutoFit/>
-          </a:bodyPr>
-          <a:lstStyle/>
-          <a:p>
-            <a:pPr marL="342900" indent="-342900">
-              <a:buFont typeface="Arial" panose="020B0604020202020204" pitchFamily="34" charset="0"/>
-              <a:buChar char="•"/>
-            </a:pPr>
-            <a:endParaRPr lang="en-US" sz="1600" b="1" dirty="0">
-              <a:solidFill>
-                <a:srgbClr val="118DFF"/>
-              </a:solidFill>
-              <a:latin typeface="Georgia" panose="02040502050405020303" pitchFamily="18" charset="0"/>
-            </a:endParaRPr>
-          </a:p>
-          <a:p>
-            <a:pPr marL="342900" indent="-342900">
-              <a:buFont typeface="Arial" panose="020B0604020202020204" pitchFamily="34" charset="0"/>
-              <a:buChar char="•"/>
-            </a:pPr>
-            <a:r>
-              <a:rPr lang="en-US" sz="1600" b="1" dirty="0">
-                <a:solidFill>
-                  <a:srgbClr val="118DFF"/>
-                </a:solidFill>
-                <a:latin typeface="Georgia" panose="02040502050405020303" pitchFamily="18" charset="0"/>
-              </a:rPr>
-              <a:t>Product type plays no significant role in why frequency of issues is stagnant after 2015</a:t>
-            </a:r>
-          </a:p>
-          <a:p>
-            <a:pPr marL="342900" indent="-342900">
-              <a:buFont typeface="Arial" panose="020B0604020202020204" pitchFamily="34" charset="0"/>
-              <a:buChar char="•"/>
-            </a:pPr>
-            <a:endParaRPr lang="en-US" sz="1600" b="1" dirty="0">
-              <a:solidFill>
-                <a:srgbClr val="118DFF"/>
-              </a:solidFill>
-              <a:latin typeface="Georgia" panose="02040502050405020303" pitchFamily="18" charset="0"/>
-            </a:endParaRPr>
-          </a:p>
-          <a:p>
-            <a:pPr marL="342900" indent="-342900">
-              <a:buFont typeface="Arial" panose="020B0604020202020204" pitchFamily="34" charset="0"/>
-              <a:buChar char="•"/>
-            </a:pPr>
-            <a:endParaRPr lang="en-US" sz="1600" b="1" dirty="0">
-              <a:solidFill>
-                <a:srgbClr val="118DFF"/>
-              </a:solidFill>
-              <a:latin typeface="Georgia" panose="02040502050405020303" pitchFamily="18" charset="0"/>
-            </a:endParaRPr>
-          </a:p>
-          <a:p>
-            <a:pPr marL="342900" indent="-342900">
-              <a:buFont typeface="Arial" panose="020B0604020202020204" pitchFamily="34" charset="0"/>
-              <a:buChar char="•"/>
-            </a:pPr>
-            <a:r>
-              <a:rPr lang="en-US" sz="1600" b="1" dirty="0">
-                <a:solidFill>
-                  <a:srgbClr val="118DFF"/>
-                </a:solidFill>
-                <a:latin typeface="Georgia" panose="02040502050405020303" pitchFamily="18" charset="0"/>
-              </a:rPr>
-              <a:t>Issues are the same over time for every mode of submission except via web</a:t>
-            </a:r>
-            <a:endParaRPr lang="en-US" sz="1600" b="1" dirty="0">
-              <a:solidFill>
-                <a:srgbClr val="3C6CF4"/>
-              </a:solidFill>
-              <a:latin typeface="Georgia" panose="02040502050405020303" pitchFamily="18" charset="0"/>
-            </a:endParaRPr>
-          </a:p>
-        </p:txBody>
-      </p:sp>
     </p:spTree>
     <p:extLst>
       <p:ext uri="{BB962C8B-B14F-4D97-AF65-F5344CB8AC3E}">
@@ -4781,7 +4218,7 @@
 </p:sld>
 </file>
 
-<file path=ppt/slides/slide15.xml><?xml version="1.0" encoding="utf-8"?>
+<file path=ppt/slides/slide12.xml><?xml version="1.0" encoding="utf-8"?>
 <p:sld xmlns:a="http://schemas.openxmlformats.org/drawingml/2006/main" xmlns:r="http://schemas.openxmlformats.org/officeDocument/2006/relationships" xmlns:p="http://schemas.openxmlformats.org/presentationml/2006/main">
   <p:cSld>
     <p:spTree>
@@ -5411,7 +4848,7 @@
 </p:sld>
 </file>
 
-<file path=ppt/slides/slide16.xml><?xml version="1.0" encoding="utf-8"?>
+<file path=ppt/slides/slide13.xml><?xml version="1.0" encoding="utf-8"?>
 <p:sld xmlns:a="http://schemas.openxmlformats.org/drawingml/2006/main" xmlns:r="http://schemas.openxmlformats.org/officeDocument/2006/relationships" xmlns:p="http://schemas.openxmlformats.org/presentationml/2006/main">
   <p:cSld>
     <p:spTree>
@@ -5750,10 +5187,10 @@
         <mc:Choice xmlns:we="http://schemas.microsoft.com/office/webextensions/webextension/2010/11" xmlns:pca="http://schemas.microsoft.com/office/powerpoint/2013/contentapp" Requires="we pca">
           <p:graphicFrame>
             <p:nvGraphicFramePr>
-              <p:cNvPr id="3" name="Add-in" descr="Add-in content for Microsoft Power BI.">
+              <p:cNvPr id="4" name="Add-in 3" title="Microsoft Power BI">
                 <a:extLst>
                   <a:ext uri="{FF2B5EF4-FFF2-40B4-BE49-F238E27FC236}">
-                    <a16:creationId xmlns:a16="http://schemas.microsoft.com/office/drawing/2014/main" id="{B2BA3293-7D30-7BB9-1A19-8C7F88B3F0DE}"/>
+                    <a16:creationId xmlns:a16="http://schemas.microsoft.com/office/drawing/2014/main" id="{36A1A870-65F5-F08B-1DCD-9C7BCFB11E26}"/>
                   </a:ext>
                 </a:extLst>
               </p:cNvPr>
@@ -5763,14 +5200,14 @@
               <p:nvPr>
                 <p:extLst>
                   <p:ext uri="{D42A27DB-BD31-4B8C-83A1-F6EECF244321}">
-                    <p14:modId xmlns:p14="http://schemas.microsoft.com/office/powerpoint/2010/main" val="3574178183"/>
+                    <p14:modId xmlns:p14="http://schemas.microsoft.com/office/powerpoint/2010/main" val="137925567"/>
                   </p:ext>
                 </p:extLst>
               </p:nvPr>
             </p:nvGraphicFramePr>
             <p:xfrm>
-              <a:off x="0" y="0"/>
-              <a:ext cx="12192000" cy="6858000"/>
+              <a:off x="146304" y="0"/>
+              <a:ext cx="11045952" cy="6858000"/>
             </p:xfrm>
             <a:graphic>
               <a:graphicData uri="http://schemas.microsoft.com/office/webextensions/webextension/2010/11">
@@ -5782,10 +5219,10 @@
         <mc:Fallback>
           <p:pic>
             <p:nvPicPr>
-              <p:cNvPr id="3" name="Add-in" descr="Add-in content for Microsoft Power BI.">
+              <p:cNvPr id="4" name="Add-in 3" title="Microsoft Power BI">
                 <a:extLst>
                   <a:ext uri="{FF2B5EF4-FFF2-40B4-BE49-F238E27FC236}">
-                    <a16:creationId xmlns:a16="http://schemas.microsoft.com/office/drawing/2014/main" id="{B2BA3293-7D30-7BB9-1A19-8C7F88B3F0DE}"/>
+                    <a16:creationId xmlns:a16="http://schemas.microsoft.com/office/drawing/2014/main" id="{36A1A870-65F5-F08B-1DCD-9C7BCFB11E26}"/>
                   </a:ext>
                 </a:extLst>
               </p:cNvPr>
@@ -5802,8 +5239,8 @@
             </p:blipFill>
             <p:spPr>
               <a:xfrm>
-                <a:off x="0" y="0"/>
-                <a:ext cx="12192000" cy="6858000"/>
+                <a:off x="146304" y="0"/>
+                <a:ext cx="11045952" cy="6858000"/>
               </a:xfrm>
               <a:prstGeom prst="rect">
                 <a:avLst/>
@@ -5826,8 +5263,8 @@
         </p:nvSpPr>
         <p:spPr>
           <a:xfrm>
-            <a:off x="8477250" y="1120676"/>
-            <a:ext cx="3714750" cy="2308324"/>
+            <a:off x="8201686" y="1184596"/>
+            <a:ext cx="2990570" cy="2800767"/>
           </a:xfrm>
           <a:prstGeom prst="rect">
             <a:avLst/>
@@ -6064,46 +5501,14 @@
           <a:chExt cx="0" cy="0"/>
         </a:xfrm>
       </p:grpSpPr>
-      <p:sp>
-        <p:nvSpPr>
-          <p:cNvPr id="8" name="TextBox 7">
-            <a:extLst>
-              <a:ext uri="{FF2B5EF4-FFF2-40B4-BE49-F238E27FC236}">
-                <a16:creationId xmlns:a16="http://schemas.microsoft.com/office/drawing/2014/main" id="{4E07B35E-77F9-756D-7D42-621E9702C41F}"/>
-              </a:ext>
-            </a:extLst>
-          </p:cNvPr>
-          <p:cNvSpPr txBox="1"/>
-          <p:nvPr/>
-        </p:nvSpPr>
-        <p:spPr>
-          <a:xfrm>
-            <a:off x="4743450" y="1428750"/>
-            <a:ext cx="6743700" cy="369332"/>
-          </a:xfrm>
-          <a:prstGeom prst="rect">
-            <a:avLst/>
-          </a:prstGeom>
-          <a:noFill/>
-        </p:spPr>
-        <p:txBody>
-          <a:bodyPr wrap="square" rtlCol="0">
-            <a:spAutoFit/>
-          </a:bodyPr>
-          <a:lstStyle/>
-          <a:p>
-            <a:endParaRPr lang="en-US" dirty="0"/>
-          </a:p>
-        </p:txBody>
-      </p:sp>
       <mc:AlternateContent xmlns:mc="http://schemas.openxmlformats.org/markup-compatibility/2006">
         <mc:Choice xmlns:we="http://schemas.microsoft.com/office/webextensions/webextension/2010/11" xmlns:pca="http://schemas.microsoft.com/office/powerpoint/2013/contentapp" Requires="we pca">
           <p:graphicFrame>
             <p:nvGraphicFramePr>
-              <p:cNvPr id="12" name="Add-in" descr="Add-in content for Microsoft Power BI.">
+              <p:cNvPr id="4" name="Add-in 3" title="Microsoft Power BI">
                 <a:extLst>
                   <a:ext uri="{FF2B5EF4-FFF2-40B4-BE49-F238E27FC236}">
-                    <a16:creationId xmlns:a16="http://schemas.microsoft.com/office/drawing/2014/main" id="{E6BBE4F2-E488-0501-4DBF-244B8D91C17D}"/>
+                    <a16:creationId xmlns:a16="http://schemas.microsoft.com/office/drawing/2014/main" id="{5957DB69-D683-1334-0006-9BB05DEB94F1}"/>
                   </a:ext>
                 </a:extLst>
               </p:cNvPr>
@@ -6113,14 +5518,14 @@
               <p:nvPr>
                 <p:extLst>
                   <p:ext uri="{D42A27DB-BD31-4B8C-83A1-F6EECF244321}">
-                    <p14:modId xmlns:p14="http://schemas.microsoft.com/office/powerpoint/2010/main" val="1422850880"/>
+                    <p14:modId xmlns:p14="http://schemas.microsoft.com/office/powerpoint/2010/main" val="1531252857"/>
                   </p:ext>
                 </p:extLst>
               </p:nvPr>
             </p:nvGraphicFramePr>
             <p:xfrm>
-              <a:off x="0" y="0"/>
-              <a:ext cx="12192000" cy="6857999"/>
+              <a:off x="0" y="100584"/>
+              <a:ext cx="12192000" cy="6757416"/>
             </p:xfrm>
             <a:graphic>
               <a:graphicData uri="http://schemas.microsoft.com/office/webextensions/webextension/2010/11">
@@ -6132,10 +5537,10 @@
         <mc:Fallback>
           <p:pic>
             <p:nvPicPr>
-              <p:cNvPr id="12" name="Add-in" descr="Add-in content for Microsoft Power BI.">
+              <p:cNvPr id="4" name="Add-in 3" title="Microsoft Power BI">
                 <a:extLst>
                   <a:ext uri="{FF2B5EF4-FFF2-40B4-BE49-F238E27FC236}">
-                    <a16:creationId xmlns:a16="http://schemas.microsoft.com/office/drawing/2014/main" id="{E6BBE4F2-E488-0501-4DBF-244B8D91C17D}"/>
+                    <a16:creationId xmlns:a16="http://schemas.microsoft.com/office/drawing/2014/main" id="{5957DB69-D683-1334-0006-9BB05DEB94F1}"/>
                   </a:ext>
                 </a:extLst>
               </p:cNvPr>
@@ -6152,8 +5557,8 @@
             </p:blipFill>
             <p:spPr>
               <a:xfrm>
-                <a:off x="0" y="0"/>
-                <a:ext cx="12192000" cy="6857999"/>
+                <a:off x="0" y="100584"/>
+                <a:ext cx="12192000" cy="6757416"/>
               </a:xfrm>
               <a:prstGeom prst="rect">
                 <a:avLst/>
@@ -6176,7 +5581,7 @@
         </p:nvSpPr>
         <p:spPr>
           <a:xfrm>
-            <a:off x="7455186" y="705475"/>
+            <a:off x="7789547" y="1771150"/>
             <a:ext cx="3762373" cy="1569660"/>
           </a:xfrm>
           <a:prstGeom prst="rect">
@@ -6471,10 +5876,10 @@
         <mc:Choice xmlns:we="http://schemas.microsoft.com/office/webextensions/webextension/2010/11" xmlns:pca="http://schemas.microsoft.com/office/powerpoint/2013/contentapp" Requires="we pca">
           <p:graphicFrame>
             <p:nvGraphicFramePr>
-              <p:cNvPr id="4" name="Add-in" descr="Add-in content for Microsoft Power BI.">
+              <p:cNvPr id="3" name="Add-in 2" title="Microsoft Power BI">
                 <a:extLst>
                   <a:ext uri="{FF2B5EF4-FFF2-40B4-BE49-F238E27FC236}">
-                    <a16:creationId xmlns:a16="http://schemas.microsoft.com/office/drawing/2014/main" id="{ACF94DB2-1C5E-3A90-5F29-FCF405EC834D}"/>
+                    <a16:creationId xmlns:a16="http://schemas.microsoft.com/office/drawing/2014/main" id="{293B4D8F-639D-AAE6-20DC-8EDB09646D0D}"/>
                   </a:ext>
                 </a:extLst>
               </p:cNvPr>
@@ -6484,14 +5889,14 @@
               <p:nvPr>
                 <p:extLst>
                   <p:ext uri="{D42A27DB-BD31-4B8C-83A1-F6EECF244321}">
-                    <p14:modId xmlns:p14="http://schemas.microsoft.com/office/powerpoint/2010/main" val="2608540176"/>
+                    <p14:modId xmlns:p14="http://schemas.microsoft.com/office/powerpoint/2010/main" val="2724013750"/>
                   </p:ext>
                 </p:extLst>
               </p:nvPr>
             </p:nvGraphicFramePr>
             <p:xfrm>
               <a:off x="0" y="0"/>
-              <a:ext cx="12351798" cy="6857999"/>
+              <a:ext cx="12351798" cy="6858000"/>
             </p:xfrm>
             <a:graphic>
               <a:graphicData uri="http://schemas.microsoft.com/office/webextensions/webextension/2010/11">
@@ -6503,10 +5908,10 @@
         <mc:Fallback>
           <p:pic>
             <p:nvPicPr>
-              <p:cNvPr id="4" name="Add-in" descr="Add-in content for Microsoft Power BI.">
+              <p:cNvPr id="3" name="Add-in 2" title="Microsoft Power BI">
                 <a:extLst>
                   <a:ext uri="{FF2B5EF4-FFF2-40B4-BE49-F238E27FC236}">
-                    <a16:creationId xmlns:a16="http://schemas.microsoft.com/office/drawing/2014/main" id="{ACF94DB2-1C5E-3A90-5F29-FCF405EC834D}"/>
+                    <a16:creationId xmlns:a16="http://schemas.microsoft.com/office/drawing/2014/main" id="{293B4D8F-639D-AAE6-20DC-8EDB09646D0D}"/>
                   </a:ext>
                 </a:extLst>
               </p:cNvPr>
@@ -6524,7 +5929,7 @@
             <p:spPr>
               <a:xfrm>
                 <a:off x="0" y="0"/>
-                <a:ext cx="12351798" cy="6857999"/>
+                <a:ext cx="12351798" cy="6858000"/>
               </a:xfrm>
               <a:prstGeom prst="rect">
                 <a:avLst/>
@@ -6547,7 +5952,7 @@
         </p:nvSpPr>
         <p:spPr>
           <a:xfrm>
-            <a:off x="8589425" y="467350"/>
+            <a:off x="7117241" y="1613118"/>
             <a:ext cx="3762373" cy="1815882"/>
           </a:xfrm>
           <a:prstGeom prst="rect">
@@ -6959,10 +6364,10 @@
         <mc:Choice xmlns:we="http://schemas.microsoft.com/office/webextensions/webextension/2010/11" xmlns:pca="http://schemas.microsoft.com/office/powerpoint/2013/contentapp" Requires="we pca">
           <p:graphicFrame>
             <p:nvGraphicFramePr>
-              <p:cNvPr id="5" name="Add-in 4" title="Microsoft Power BI">
+              <p:cNvPr id="3" name="Add-in 2" title="Microsoft Power BI">
                 <a:extLst>
                   <a:ext uri="{FF2B5EF4-FFF2-40B4-BE49-F238E27FC236}">
-                    <a16:creationId xmlns:a16="http://schemas.microsoft.com/office/drawing/2014/main" id="{33A1F483-18E8-B775-2085-A8399CABABF8}"/>
+                    <a16:creationId xmlns:a16="http://schemas.microsoft.com/office/drawing/2014/main" id="{D407AF24-C804-16C6-A6B1-BBA872DBBB79}"/>
                   </a:ext>
                 </a:extLst>
               </p:cNvPr>
@@ -6972,7 +6377,7 @@
               <p:nvPr>
                 <p:extLst>
                   <p:ext uri="{D42A27DB-BD31-4B8C-83A1-F6EECF244321}">
-                    <p14:modId xmlns:p14="http://schemas.microsoft.com/office/powerpoint/2010/main" val="4118667401"/>
+                    <p14:modId xmlns:p14="http://schemas.microsoft.com/office/powerpoint/2010/main" val="1326213283"/>
                   </p:ext>
                 </p:extLst>
               </p:nvPr>
@@ -6991,10 +6396,10 @@
         <mc:Fallback>
           <p:pic>
             <p:nvPicPr>
-              <p:cNvPr id="5" name="Add-in 4" title="Microsoft Power BI">
+              <p:cNvPr id="3" name="Add-in 2" title="Microsoft Power BI">
                 <a:extLst>
                   <a:ext uri="{FF2B5EF4-FFF2-40B4-BE49-F238E27FC236}">
-                    <a16:creationId xmlns:a16="http://schemas.microsoft.com/office/drawing/2014/main" id="{33A1F483-18E8-B775-2085-A8399CABABF8}"/>
+                    <a16:creationId xmlns:a16="http://schemas.microsoft.com/office/drawing/2014/main" id="{D407AF24-C804-16C6-A6B1-BBA872DBBB79}"/>
                   </a:ext>
                 </a:extLst>
               </p:cNvPr>
@@ -7035,7 +6440,7 @@
         </p:nvSpPr>
         <p:spPr>
           <a:xfrm>
-            <a:off x="6027939" y="1366897"/>
+            <a:off x="5427863" y="1293745"/>
             <a:ext cx="6082036" cy="2062103"/>
           </a:xfrm>
           <a:prstGeom prst="rect">
@@ -7440,10 +6845,10 @@
         <mc:Choice xmlns:we="http://schemas.microsoft.com/office/webextensions/webextension/2010/11" xmlns:pca="http://schemas.microsoft.com/office/powerpoint/2013/contentapp" Requires="we pca">
           <p:graphicFrame>
             <p:nvGraphicFramePr>
-              <p:cNvPr id="6" name="Add-in 5" title="Microsoft Power BI">
+              <p:cNvPr id="3" name="Add-in 2" title="Microsoft Power BI">
                 <a:extLst>
                   <a:ext uri="{FF2B5EF4-FFF2-40B4-BE49-F238E27FC236}">
-                    <a16:creationId xmlns:a16="http://schemas.microsoft.com/office/drawing/2014/main" id="{49DB8451-2E7B-6E35-F9F1-1BD9DA1BD6F1}"/>
+                    <a16:creationId xmlns:a16="http://schemas.microsoft.com/office/drawing/2014/main" id="{39B5933E-E21A-AEDF-DE98-2D56004A5FDF}"/>
                   </a:ext>
                 </a:extLst>
               </p:cNvPr>
@@ -7453,14 +6858,14 @@
               <p:nvPr>
                 <p:extLst>
                   <p:ext uri="{D42A27DB-BD31-4B8C-83A1-F6EECF244321}">
-                    <p14:modId xmlns:p14="http://schemas.microsoft.com/office/powerpoint/2010/main" val="3226321500"/>
+                    <p14:modId xmlns:p14="http://schemas.microsoft.com/office/powerpoint/2010/main" val="2251965095"/>
                   </p:ext>
                 </p:extLst>
               </p:nvPr>
             </p:nvGraphicFramePr>
             <p:xfrm>
-              <a:off x="0" y="0"/>
-              <a:ext cx="12351798" cy="6857999"/>
+              <a:off x="-1" y="0"/>
+              <a:ext cx="12351797" cy="6858000"/>
             </p:xfrm>
             <a:graphic>
               <a:graphicData uri="http://schemas.microsoft.com/office/webextensions/webextension/2010/11">
@@ -7472,10 +6877,10 @@
         <mc:Fallback>
           <p:pic>
             <p:nvPicPr>
-              <p:cNvPr id="6" name="Add-in 5" title="Microsoft Power BI">
+              <p:cNvPr id="3" name="Add-in 2" title="Microsoft Power BI">
                 <a:extLst>
                   <a:ext uri="{FF2B5EF4-FFF2-40B4-BE49-F238E27FC236}">
-                    <a16:creationId xmlns:a16="http://schemas.microsoft.com/office/drawing/2014/main" id="{49DB8451-2E7B-6E35-F9F1-1BD9DA1BD6F1}"/>
+                    <a16:creationId xmlns:a16="http://schemas.microsoft.com/office/drawing/2014/main" id="{39B5933E-E21A-AEDF-DE98-2D56004A5FDF}"/>
                   </a:ext>
                 </a:extLst>
               </p:cNvPr>
@@ -7492,8 +6897,8 @@
             </p:blipFill>
             <p:spPr>
               <a:xfrm>
-                <a:off x="0" y="0"/>
-                <a:ext cx="12351798" cy="6857999"/>
+                <a:off x="-1" y="0"/>
+                <a:ext cx="12351797" cy="6858000"/>
               </a:xfrm>
               <a:prstGeom prst="rect">
                 <a:avLst/>
@@ -7516,7 +6921,7 @@
         </p:nvSpPr>
         <p:spPr>
           <a:xfrm>
-            <a:off x="8225440" y="1478943"/>
+            <a:off x="8092275" y="1478943"/>
             <a:ext cx="3762373" cy="2308324"/>
           </a:xfrm>
           <a:prstGeom prst="rect">
@@ -7879,10 +7284,10 @@
         <mc:Choice xmlns:we="http://schemas.microsoft.com/office/webextensions/webextension/2010/11" xmlns:pca="http://schemas.microsoft.com/office/powerpoint/2013/contentapp" Requires="we pca">
           <p:graphicFrame>
             <p:nvGraphicFramePr>
-              <p:cNvPr id="3" name="Add-in" descr="Add-in content for Microsoft Power BI.">
+              <p:cNvPr id="3" name="Add-in 2" title="Microsoft Power BI">
                 <a:extLst>
                   <a:ext uri="{FF2B5EF4-FFF2-40B4-BE49-F238E27FC236}">
-                    <a16:creationId xmlns:a16="http://schemas.microsoft.com/office/drawing/2014/main" id="{10C47710-9562-0802-B33A-934A2AB2D72B}"/>
+                    <a16:creationId xmlns:a16="http://schemas.microsoft.com/office/drawing/2014/main" id="{D4361357-CCAA-18BF-5943-A223A79A1B77}"/>
                   </a:ext>
                 </a:extLst>
               </p:cNvPr>
@@ -7892,14 +7297,14 @@
               <p:nvPr>
                 <p:extLst>
                   <p:ext uri="{D42A27DB-BD31-4B8C-83A1-F6EECF244321}">
-                    <p14:modId xmlns:p14="http://schemas.microsoft.com/office/powerpoint/2010/main" val="1508456952"/>
+                    <p14:modId xmlns:p14="http://schemas.microsoft.com/office/powerpoint/2010/main" val="1384302677"/>
                   </p:ext>
                 </p:extLst>
               </p:nvPr>
             </p:nvGraphicFramePr>
             <p:xfrm>
-              <a:off x="0" y="0"/>
-              <a:ext cx="12351798" cy="6858000"/>
+              <a:off x="-1" y="0"/>
+              <a:ext cx="12351797" cy="6858000"/>
             </p:xfrm>
             <a:graphic>
               <a:graphicData uri="http://schemas.microsoft.com/office/webextensions/webextension/2010/11">
@@ -7911,10 +7316,10 @@
         <mc:Fallback>
           <p:pic>
             <p:nvPicPr>
-              <p:cNvPr id="3" name="Add-in" descr="Add-in content for Microsoft Power BI.">
+              <p:cNvPr id="3" name="Add-in 2" title="Microsoft Power BI">
                 <a:extLst>
                   <a:ext uri="{FF2B5EF4-FFF2-40B4-BE49-F238E27FC236}">
-                    <a16:creationId xmlns:a16="http://schemas.microsoft.com/office/drawing/2014/main" id="{10C47710-9562-0802-B33A-934A2AB2D72B}"/>
+                    <a16:creationId xmlns:a16="http://schemas.microsoft.com/office/drawing/2014/main" id="{D4361357-CCAA-18BF-5943-A223A79A1B77}"/>
                   </a:ext>
                 </a:extLst>
               </p:cNvPr>
@@ -7931,8 +7336,8 @@
             </p:blipFill>
             <p:spPr>
               <a:xfrm>
-                <a:off x="0" y="0"/>
-                <a:ext cx="12351798" cy="6858000"/>
+                <a:off x="-1" y="0"/>
+                <a:ext cx="12351797" cy="6858000"/>
               </a:xfrm>
               <a:prstGeom prst="rect">
                 <a:avLst/>
@@ -8214,70 +7619,14 @@
           <a:chExt cx="0" cy="0"/>
         </a:xfrm>
       </p:grpSpPr>
-      <p:sp>
-        <p:nvSpPr>
-          <p:cNvPr id="2" name="Rectangle 1">
-            <a:extLst>
-              <a:ext uri="{FF2B5EF4-FFF2-40B4-BE49-F238E27FC236}">
-                <a16:creationId xmlns:a16="http://schemas.microsoft.com/office/drawing/2014/main" id="{EA7A050B-AF25-347C-F038-CB96AC0D7CF2}"/>
-              </a:ext>
-            </a:extLst>
-          </p:cNvPr>
-          <p:cNvSpPr/>
-          <p:nvPr/>
-        </p:nvSpPr>
-        <p:spPr>
-          <a:xfrm>
-            <a:off x="0" y="0"/>
-            <a:ext cx="12351798" cy="6858000"/>
-          </a:xfrm>
-          <a:prstGeom prst="rect">
-            <a:avLst/>
-          </a:prstGeom>
-          <a:solidFill>
-            <a:schemeClr val="bg1"/>
-          </a:solidFill>
-          <a:ln>
-            <a:solidFill>
-              <a:schemeClr val="bg1">
-                <a:lumMod val="95000"/>
-              </a:schemeClr>
-            </a:solidFill>
-          </a:ln>
-        </p:spPr>
-        <p:style>
-          <a:lnRef idx="2">
-            <a:schemeClr val="accent1">
-              <a:shade val="50000"/>
-            </a:schemeClr>
-          </a:lnRef>
-          <a:fillRef idx="1">
-            <a:schemeClr val="accent1"/>
-          </a:fillRef>
-          <a:effectRef idx="0">
-            <a:schemeClr val="accent1"/>
-          </a:effectRef>
-          <a:fontRef idx="minor">
-            <a:schemeClr val="lt1"/>
-          </a:fontRef>
-        </p:style>
-        <p:txBody>
-          <a:bodyPr rtlCol="0" anchor="ctr"/>
-          <a:lstStyle/>
-          <a:p>
-            <a:pPr algn="ctr"/>
-            <a:endParaRPr lang="en-US" dirty="0"/>
-          </a:p>
-        </p:txBody>
-      </p:sp>
       <mc:AlternateContent xmlns:mc="http://schemas.openxmlformats.org/markup-compatibility/2006">
         <mc:Choice xmlns:we="http://schemas.microsoft.com/office/webextensions/webextension/2010/11" xmlns:pca="http://schemas.microsoft.com/office/powerpoint/2013/contentapp" Requires="we pca">
           <p:graphicFrame>
             <p:nvGraphicFramePr>
-              <p:cNvPr id="3" name="Add-in" descr="Add-in content for Microsoft Power BI.">
+              <p:cNvPr id="7" name="Add-in 6" title="Microsoft Power BI">
                 <a:extLst>
                   <a:ext uri="{FF2B5EF4-FFF2-40B4-BE49-F238E27FC236}">
-                    <a16:creationId xmlns:a16="http://schemas.microsoft.com/office/drawing/2014/main" id="{BD3D6381-E233-8DB3-C150-0AEA8CB79A91}"/>
+                    <a16:creationId xmlns:a16="http://schemas.microsoft.com/office/drawing/2014/main" id="{5C268D00-224A-2883-5EF0-C5170F2F9636}"/>
                   </a:ext>
                 </a:extLst>
               </p:cNvPr>
@@ -8287,14 +7636,14 @@
               <p:nvPr>
                 <p:extLst>
                   <p:ext uri="{D42A27DB-BD31-4B8C-83A1-F6EECF244321}">
-                    <p14:modId xmlns:p14="http://schemas.microsoft.com/office/powerpoint/2010/main" val="1710431097"/>
+                    <p14:modId xmlns:p14="http://schemas.microsoft.com/office/powerpoint/2010/main" val="1340576589"/>
                   </p:ext>
                 </p:extLst>
               </p:nvPr>
             </p:nvGraphicFramePr>
             <p:xfrm>
-              <a:off x="0" y="0"/>
-              <a:ext cx="12351797" cy="6858000"/>
+              <a:off x="0" y="-70510"/>
+              <a:ext cx="12191999" cy="6928510"/>
             </p:xfrm>
             <a:graphic>
               <a:graphicData uri="http://schemas.microsoft.com/office/webextensions/webextension/2010/11">
@@ -8306,10 +7655,10 @@
         <mc:Fallback>
           <p:pic>
             <p:nvPicPr>
-              <p:cNvPr id="3" name="Add-in" descr="Add-in content for Microsoft Power BI.">
+              <p:cNvPr id="7" name="Add-in 6" title="Microsoft Power BI">
                 <a:extLst>
                   <a:ext uri="{FF2B5EF4-FFF2-40B4-BE49-F238E27FC236}">
-                    <a16:creationId xmlns:a16="http://schemas.microsoft.com/office/drawing/2014/main" id="{BD3D6381-E233-8DB3-C150-0AEA8CB79A91}"/>
+                    <a16:creationId xmlns:a16="http://schemas.microsoft.com/office/drawing/2014/main" id="{5C268D00-224A-2883-5EF0-C5170F2F9636}"/>
                   </a:ext>
                 </a:extLst>
               </p:cNvPr>
@@ -8326,8 +7675,8 @@
             </p:blipFill>
             <p:spPr>
               <a:xfrm>
-                <a:off x="0" y="0"/>
-                <a:ext cx="12351797" cy="6858000"/>
+                <a:off x="0" y="-70510"/>
+                <a:ext cx="12191999" cy="6928510"/>
               </a:xfrm>
               <a:prstGeom prst="rect">
                 <a:avLst/>
@@ -8350,7 +7699,7 @@
         </p:nvSpPr>
         <p:spPr>
           <a:xfrm>
-            <a:off x="3622089" y="1251612"/>
+            <a:off x="3228513" y="1211364"/>
             <a:ext cx="3275860" cy="5016758"/>
           </a:xfrm>
           <a:prstGeom prst="rect">
@@ -9020,110 +8369,28 @@
 </file>
 
 <file path=ppt/webextensions/webextension1.xml><?xml version="1.0" encoding="utf-8"?>
-<we:webextension xmlns:we="http://schemas.microsoft.com/office/webextensions/webextension/2010/11" id="{E1F2B548-94C6-49C1-8DB8-EF9AED8CA01E}">
-  <we:reference id="WA200003233" version="2.0.0.3" store="en-US" storeType="OMEX"/>
-  <we:alternateReferences/>
-  <we:properties>
-    <we:property name="Microsoft.Office.CampaignId" value="&quot;none&quot;"/>
-    <we:property name="backgroundColor" value="&quot;#FFFFFF&quot;"/>
-    <we:property name="bookmark" value="&quot;H4sIAAAAAAAAA91UTWvcMBD9K0VnU/xR4/XeEic9lbJkSy4llLE1cpRoJSPJ27jL/veOZIdmQyGlh9DUF2s+NJr33kgHxqUbFEyfYYdszc6Nud+BvX+XsYTpU1+bpYIXpahWedGWGQoUKWWZwUujHVsfmAfbo7+WbgQVCpLz603CQKkN9MESoBwmbEDrjAYlf+CcTCFvRzwmDB8GZSyEklsPHkPZPaWTTa1k7ws6ETov97jFzs/eKxyM9Ytd8bQWUFUrUWKZpWlb1Eh73ByNbb6cHw6NjTVGe5CaGgi+Li+4WAmAEnmN/AOZRfALqfyS0k6XD4Ml3MTGNAT6zvgedIecRXAW3YzlwM763mIPfjEvT4KNUePuN/6tGW2HVyhiSHvpJzqjUQga+Tdq1407tLTYkapSe8eOxOrGGuJ8TqUI6Cm6P4564TAP5q353lgk0jlbp8cb8jipe7Vo9IuULzOwDmwAZdo7YjKApw3GcrTnU8R/Ie2jRHnyDMY/hp3AkqsqoEpXaVblaV7XHVZpXb4ob0N89cbKjhh6rvCrADlVLXlbc1f+xdy1YJtbsP5/mL0yzN7ji0bZd0+eqWWyZkCv0BfdgfA9ZZXR3j4+h2b0boAON1Q3NjTMJSTGPJow0DwIGNc2/D9JujWzftegxiBdfP9ZPIQkla3CP92wtPcTA2J9SrAGAAA=&quot;"/>
-    <we:property name="creatorSessionId" value="&quot;24e56a1c-55c1-455c-b4e8-69168b59e50e&quot;"/>
-    <we:property name="creatorTenantId" value="&quot;94c611e1-0207-4c90-a201-cd8fd3e1e49e&quot;"/>
-    <we:property name="creatorUserId" value="&quot;1003200231FE1A01&quot;"/>
-    <we:property name="datasetId" value="&quot;c410b94c-3969-4a28-89e5-016251bec109&quot;"/>
-    <we:property name="embedUrl" value="&quot;/reportEmbed?reportId=ff701873-d20e-442c-8f87-56b331f08e9f&amp;config=eyJjbHVzdGVyVXJsIjoiaHR0cHM6Ly9XQUJJLVNPVVRILUFGUklDQS1OT1JUSC1BLVBSSU1BUlktcmVkaXJlY3QuYW5hbHlzaXMud2luZG93cy5uZXQiLCJlbWJlZEZlYXR1cmVzIjp7Im1vZGVybkVtYmVkIjp0cnVlLCJ1c2FnZU1ldHJpY3NWTmV4dCI6dHJ1ZX19&amp;disableSensitivityBanner=true&quot;"/>
-    <we:property name="initialStateBookmark" value="&quot;H4sIAAAAAAAAA91UwW7bMAz9lUFnY3DsBY5zS73s0rUNkqGXISgYi3bVypIhyVm9wP8+SnbXrTt02KHYdor0SJHvkS8+MS5sK6G/hAbZkp1pfd+AuX8zYxFTE3Z1dX6x2p7fXK4u1gTr1gmtLFuemANTo7sWtgPpKxD4eR8xkHIDtb9VIC1GrEVjtQIpvuKYTCFnOhwihg+t1AZ8yZ0Dh77skdLpTr1nb1PqCKUTR9xh6UZ0i602brpnPM4ryLJFNcf5LI4PaY70xo7RQPPlfN80ECu0ciAUEfBYlkIWL+JZlsRJnpeYxfnc45WQbko59OuH1pBumkbf+nkVpKLWRpQgWdBn0I5yTqzQsmvCaf0TvtOdKXGLVQgpJ1zvK0kEhfyGSNmuQUOHhpYllLNsoNltjKbJjqkUAdUH+FZ/KQwSC86W8RB9J7biR1Aloc9ZreraYA1uuq5fn/KHTk3Lnf+qYE+IFaqWk3metvVpFHYAU9yCcd6chztas98MPdKGoznrw3LeC/PonyR6JuUv0z/sHy1P2Xc/+Hhy1ijoFXjtBx8qk5RXiwpgjjxH/o6u6Yt/gn/Ca8kfeK0Ew/8HnyXDuF+PPolhVKoOn0PdOdtCiRtqE4S1Y0WBIY+WCor7mYWz8b8fBflhHNk1yM5PK3z/WWhCUxQHib/7YGL3DV7uSI+hBgAA&quot;"/>
-    <we:property name="isFiltersActionButtonVisible" value="true"/>
-    <we:property name="isFooterCollapsed" value="true"/>
-    <we:property name="pageDisplayName" value="&quot;Companies&quot;"/>
-    <we:property name="reportEmbeddedTime" value="&quot;2023-02-17T15:52:40.524Z&quot;"/>
-    <we:property name="reportName" value="&quot;complaints viz&quot;"/>
-    <we:property name="reportState" value="&quot;CONNECTED&quot;"/>
-    <we:property name="reportUrl" value="&quot;/links/0OBR_YZ8Bi?ctid=94c611e1-0207-4c90-a201-cd8fd3e1e49e&amp;pbi_source=linkShare&amp;fromEntryPoint=share&quot;"/>
-  </we:properties>
-  <we:bindings/>
-  <we:snapshot xmlns:r="http://schemas.openxmlformats.org/officeDocument/2006/relationships" r:embed="rId1"/>
-</we:webextension>
-</file>
-
-<file path=ppt/webextensions/webextension10.xml><?xml version="1.0" encoding="utf-8"?>
-<we:webextension xmlns:we="http://schemas.microsoft.com/office/webextensions/webextension/2010/11" id="{960F6E16-7923-4336-802F-900C0C3B0F02}">
-  <we:reference id="WA200003233" version="2.0.0.3" store="en-US" storeType="OMEX"/>
-  <we:alternateReferences/>
-  <we:properties>
-    <we:property name="Microsoft.Office.CampaignId" value="&quot;none&quot;"/>
-    <we:property name="backgroundColor" value="&quot;#FFFFFF&quot;"/>
-    <we:property name="bookmark" value="&quot;H4sIAAAAAAAAA71TwW7bMAz9lUHnYLCTuqlzy4JsGLq2QTL0UgQFYzOeWlkSJCprFvjfR8ne1q2H7lRfTD5R5CMfdRK19FbB8RpaFDPxwZjHFtzju1yMhB6wm5vLq/n68v56frVk2FiSRnsxOwkC1yDdSh9AxQwM3m1HApRaQRO9PSiPI2HReaNByR/YB/MRuYDdSOCTVcZBTLkhIIxpDxzOPtfO30+4IlQkD7jBinp0jdY4GvwzmBRZXZSYwTgbT8vd5GzMd3x/mmi+Hh+LJmILowmkZgIRy/P8HMfTaZHBtMSLi7IozyO+l4qGkN1x+WQd983TONo4rwV30RgnK1Ai9efQ9+2cxMKo0CZr+Re+McFVuMZ9OtIk6RgzKQSN9T2T8qFFx0bLYklNXnQ8u5UzPNkUymYdKkrwN/N94ZBZ1GKWdaPfxOb1AXTF6L+s5k3jsAEa3OXbUP7sfcAEfgx6kLZ4yX/LiJe6UcPq/NHqa98WOcQWbNzM3QNrHGXpfi0N13t4tgmfnAk2ifUGSmy79D3nJfhuk3bcBPIWKlxx3kTI9ikkpjgWCHQdJ5BsF/9fJC9dP4BbUCH2nt6XSEV4JnKn8H8vDPR+Am7bDvUBBAAA&quot;"/>
-    <we:property name="creatorSessionId" value="&quot;240482e9-fc36-4ad0-a886-3fb965154bfb&quot;"/>
-    <we:property name="creatorTenantId" value="&quot;94c611e1-0207-4c90-a201-cd8fd3e1e49e&quot;"/>
-    <we:property name="creatorUserId" value="&quot;1003200231FE1A01&quot;"/>
-    <we:property name="datasetId" value="&quot;c410b94c-3969-4a28-89e5-016251bec109&quot;"/>
-    <we:property name="embedUrl" value="&quot;/reportEmbed?reportId=ff701873-d20e-442c-8f87-56b331f08e9f&amp;config=eyJjbHVzdGVyVXJsIjoiaHR0cHM6Ly9XQUJJLVNPVVRILUFGUklDQS1OT1JUSC1BLVBSSU1BUlktcmVkaXJlY3QuYW5hbHlzaXMud2luZG93cy5uZXQiLCJlbWJlZEZlYXR1cmVzIjp7Im1vZGVybkVtYmVkIjp0cnVlLCJ1c2FnZU1ldHJpY3NWTmV4dCI6dHJ1ZX19&amp;disableSensitivityBanner=true&quot;"/>
-    <we:property name="initialStateBookmark" value="&quot;H4sIAAAAAAAAA71TwW7bMAz9lUHnYLCTuqlzy4JsGLq2QTL0UgQFYzOeWlkSJCprFvjfR8ne1q2H7lRfTD5R5CMfdRK19FbB8RpaFDPxwZjHFtzju1yMhB6wm5vLq/n68v56frVk2FiSRnsxOwkC1yDdSh9AxQwM3m1HApRaQRO9PSiPI2HReaNByR/YB/MRuYDdSOCTVcZBTLkhIIxpDxzOPtfO30+4IlQkD7jBinp0jdY4GvwzmBRZXZSYwTgbT8vd5GzMd3x/mmi+Hh+LJmILowmkZgIRy/P8HMfTaZHBtMSLi7IozyO+l4qGkN1x+WQd983TONo4rwV30RgnK1Ai9efQ9+2cxMKo0CZr+Re+McFVuMZ9OtIk6RgzKQSN9T2T8qFFx0bLYklNXnQ8u5UzPNkUymYdKkrwN/N94ZBZ1GKWdaPfxOb1AXTF6L+s5k3jsAEa3OXbUP7sfcAEfgx6kLZ4yX/LiJe6UcPq/NHqa98WOcQWbNzM3QNrHGXpfi0N13t4tgmfnAk2ifUGSmy79D3nJfhuk3bcBPIWKlxx3kTI9ikkpjgWCHQdJ5BsF/9fJC9dP4BbUCH2nt6XSEV4JnKn8H8vDPR+Am7bDvUBBAAA&quot;"/>
-    <we:property name="isFiltersActionButtonVisible" value="false"/>
-    <we:property name="pageDisplayName" value="&quot;Products by Issues&quot;"/>
-    <we:property name="pageName" value="&quot;ReportSection4a350d59e0a20279b342&quot;"/>
-    <we:property name="reportEmbeddedTime" value="&quot;2023-02-17T17:16:28.624Z&quot;"/>
-    <we:property name="reportName" value="&quot;complaints viz&quot;"/>
-    <we:property name="reportState" value="&quot;CONNECTED&quot;"/>
-    <we:property name="reportUrl" value="&quot;/groups/me/reports/ff701873-d20e-442c-8f87-56b331f08e9f/ReportSection4a350d59e0a20279b342?ctid=94c611e1-0207-4c90-a201-cd8fd3e1e49e&quot;"/>
-    <we:property name="isFooterCollapsed" value="true"/>
-  </we:properties>
-  <we:bindings/>
-  <we:snapshot xmlns:r="http://schemas.openxmlformats.org/officeDocument/2006/relationships" r:embed="rId1"/>
-</we:webextension>
-</file>
-
-<file path=ppt/webextensions/webextension11.xml><?xml version="1.0" encoding="utf-8"?>
-<we:webextension xmlns:we="http://schemas.microsoft.com/office/webextensions/webextension/2010/11" id="{D2ECEF46-CD08-4738-961D-9C2638183E8A}">
+<we:webextension xmlns:we="http://schemas.microsoft.com/office/webextensions/webextension/2010/11" id="{98B6141C-EA67-432E-87A7-1A7AC25DCEB5}">
   <we:reference id="wa200003233" version="2.0.0.3" store="en-US" storeType="OMEX"/>
   <we:alternateReferences>
     <we:reference id="wa200003233" version="2.0.0.3" store="wa200003233" storeType="OMEX"/>
   </we:alternateReferences>
   <we:properties>
+    <we:property name="creatorTenantId" value="&quot;94c611e1-0207-4c90-a201-cd8fd3e1e49e&quot;"/>
+    <we:property name="reportUrl" value="&quot;/groups/me/reports/3132799d-d56f-47b7-ba3e-27bf9622e23d/ReportSection4b380c63c2bb2dbc0561?ctid=94c611e1-0207-4c90-a201-cd8fd3e1e49e&quot;"/>
+    <we:property name="reportName" value="&quot;Consumer Complaints for PPT&quot;"/>
+    <we:property name="reportState" value="&quot;CONNECTED&quot;"/>
+    <we:property name="embedUrl" value="&quot;/reportEmbed?reportId=3132799d-d56f-47b7-ba3e-27bf9622e23d&amp;config=eyJjbHVzdGVyVXJsIjoiaHR0cHM6Ly9XQUJJLVNPVVRILUFGUklDQS1OT1JUSC1BLVBSSU1BUlktcmVkaXJlY3QuYW5hbHlzaXMud2luZG93cy5uZXQiLCJlbWJlZEZlYXR1cmVzIjp7Im1vZGVybkVtYmVkIjp0cnVlLCJ1c2FnZU1ldHJpY3NWTmV4dCI6dHJ1ZX19&amp;disableSensitivityBanner=true&quot;"/>
+    <we:property name="pageName" value="&quot;ReportSection4b380c63c2bb2dbc0561&quot;"/>
+    <we:property name="pageDisplayName" value="&quot;Page 2&quot;"/>
+    <we:property name="datasetId" value="&quot;c410b94c-3969-4a28-89e5-016251bec109&quot;"/>
     <we:property name="backgroundColor" value="&quot;#FFFFFF&quot;"/>
-    <we:property name="bookmark" value="&quot;H4sIAAAAAAAAA81US2/bMAz+K4POxpDYSefllmYpMHRtg2QoMAxBQVu0q1aRDEnO4hn+76VkB+vSQ3vpMF9MfnzoEx9qGRe2ktBcww7ZjJ1r/bgD8/hhzCKmBuzm5vJqvr68u55fLQnWlRNaWTZrmQNTorsVtgbpMxD4cxsxkHIFpdcKkBYjVqGxWoEUv7F3JpMzNXYRw0MltQGfcuPAoU+7J3fS6ezxx4ROhNyJPW4wdz26xkobN+jjUZJBkSaYFpjzmH+aTHKKsb010Hzd3x8aiC20ciAUEfAY8gxHBcRJwnkKWCQFTz1eCOkGl6xZHipD926P9boIxul0ejYdFRkf55+nPOWTsyQmWq6pvM+CblpqI3KQLNTAoO2v3LKFlvUuSMu/8I2uTY5rLIJJOeEan0kiKOR3RNzWOzQk7KihQjnLOqrvymiqfnAlkde5C/C9/rUwSCw4m427qD0Sm/M9qJzQU1bzsjRYghvU5b+h/NXaGgN4Uauh/fEp/9Fb+L8bxR8I5kVJR92WECtUKYeJ/zNi33umkqZscQ/G+ZXKHmg4/TxRlDYczXkTRuqLMMepj6MT5v9VR7rtcU3J9+HZ7g2T3l/nvZuw7cL3vKCMAsvwquja2QpyXFHSwKbq4wX2u36oQHHfvCAb//8maJP73t2CrH3bwovGwiHUTpFJfGvAQO8JbriL/3MFAAA=&quot;"/>
-    <we:property name="creatorSessionId" value="&quot;ed2f4f07-a3a0-4c7e-9f7f-9ff4d25bbe07&quot;"/>
-    <we:property name="creatorTenantId" value="&quot;94c611e1-0207-4c90-a201-cd8fd3e1e49e&quot;"/>
+    <we:property name="bookmark" value="&quot;H4sIAAAAAAAAA91UwW7bMAz9lUFnY1CdOE5ya73uNAxBM/QyFAMtMa5aWTIkOasX5N9HyS7WFAU67FBs88UW+STyvUfrwKTynYbhM7TI1uzC2vsW3P27M5YxcxpbyXkxFzNRljO+4MB5UQpC2S4oazxbH1gA12C4Vr4HHQ+k4FdWLld5Xua7gueC85IvlivBbjIGWm+giZgdaI8Z69B5a0CrHzgeQangejxmDB86bR3EQtsAAWOxPcFpTQ2evZ9RHyCC2uMWRRijV9hZF6b1vJ4tuVjMRF7XuawFLxaRoR+zqfnX8bFoaqyyJoAy1ECMlQWvcQeLshRYSpBlvUrYndJhgtTD5UPnSA3SaOiiqOdyD0agZImcQz9yObDzpnHYQJiWlyfJyuq+fSG+tb0TeIW7lDJBhYFqVBrBoPxG7fq+RUcfLXmtTPDsSKpunCXNRyhlwAwp/LE3k4Z5XN7a75VDEl2yNT/eUMQr0+jJo1+ifBmJCXCRlK3vSMlInjZYJ9FdDIn/B+UeLcqzZzT+Mu5ElkIvzu9r9lakV2OdEqTQc4ffhMipa9m/NXfFH8xdDa66BRf+h9kr4uw93miEvntyTU2TNRJ6g77oH4jPU1UZ7W3SHWz74DsQuKFzU0PdeITChKMJAyOjgenbxfcnRX/N6N816D5al+5/loqQparW+LsbpvZ+AuDIzDLGBgAA&quot;"/>
+    <we:property name="initialStateBookmark" value="&quot;H4sIAAAAAAAAA91UTW/bMAz9K4POxuA6S5zklnrZpWsbJEMvQ1HQMuOqVSSDkrN6Qf77KNnF2mJAhx2Kbb7Y/BDJ9x6tg6iUazR0F7BDMRen1t7vgO7fnYhEmMF3eXl2vlif3Vwszpfsto1X1jgxPwgPVKO/Uq4FHSqw8+t1IkDrFdTB2oJ2mIgGyVkDWn3HPplDnlo8JgIfGm0JQsmNB4+h7J7T2ebeJ+9H3BGkV3vcoPS9d42NJT/YH8rRNJWTkczKMqtKmY4nYXjXR+OYr+eHpnGwwhoPyvAAwZeP0xK3MMlziXkFVV7OYu5WaT+klN3yoSHGzWx0TeBrUe3BSKxEBEfoeiwHsahrwhr8YC6fBQur290v/BvbksQ1bmPIeOU77lFoBIPVDY/r2h0Sf+xYRmW8E0dmdUWWOe9TOQKmi+5PrRk4zIJ5a78VhEx6Jebp8Zo9TplaDxr9JOVLD0wCBVC2vGMmA3g+YKlCOu0i/o+KHiXKkhcw/jLsDJZd+XSWZXm2HaeZTNM8nUxn8lV5C+artqQkM/RS4TcB8ly15N/au/Ef7F0JVNwC+f9h98Zh9x5vNM6+e3JNDZvVA3qDufgfCM9TVgWfreMdbFvvGpC44rpxoKYvoTDm8YaBqYKA8ZvC+7Piv6bX7wp0G6SL97+ITVhSVWr83QPDeD8AiJCTf6EGAAA=&quot;"/>
+    <we:property name="isFooterCollapsed" value="false"/>
+    <we:property name="isFiltersActionButtonVisible" value="false"/>
+    <we:property name="reportEmbeddedTime" value="&quot;2023-02-26T11:32:50.616Z&quot;"/>
     <we:property name="creatorUserId" value="&quot;1003200231FE1A01&quot;"/>
-    <we:property name="datasetId" value="&quot;c410b94c-3969-4a28-89e5-016251bec109&quot;"/>
-    <we:property name="embedUrl" value="&quot;/reportEmbed?reportId=ff701873-d20e-442c-8f87-56b331f08e9f&amp;config=eyJjbHVzdGVyVXJsIjoiaHR0cHM6Ly9XQUJJLVNPVVRILUFGUklDQS1OT1JUSC1BLVBSSU1BUlktcmVkaXJlY3QuYW5hbHlzaXMud2luZG93cy5uZXQiLCJlbWJlZEZlYXR1cmVzIjp7Im1vZGVybkVtYmVkIjp0cnVlLCJ1c2FnZU1ldHJpY3NWTmV4dCI6dHJ1ZX19&amp;disableSensitivityBanner=true&quot;"/>
-    <we:property name="initialStateBookmark" value="&quot;H4sIAAAAAAAAA81US2/bMAz+K4POxpDYSefllmYpMHRtg2QoMAxBQVu0q1aRDEnO4hn+76VkB+vSQ3vpMF9MfnzoEx9qGRe2ktBcww7ZjJ1r/bgD8/hhzCKmBuzm5vJqvr68u55fLQnWlRNaWTZrmQNTorsVtgbpMxD4cxsxkHIFpdcKkBYjVqGxWoEUv7F3JpMzNXYRw0MltQGfcuPAoU+7J3fS6ezxx4ROhNyJPW4wdz26xkobN+jjUZJBkSaYFpjzmH+aTHKKsb010Hzd3x8aiC20ciAUEfAY8gxHBcRJwnkKWCQFTz1eCOkGl6xZHipD926P9boIxul0ejYdFRkf55+nPOWTsyQmWq6pvM+CblpqI3KQLNTAoO2v3LKFlvUuSMu/8I2uTY5rLIJJOeEan0kiKOR3RNzWOzQk7KihQjnLOqrvymiqfnAlkde5C/C9/rUwSCw4m427qD0Sm/M9qJzQU1bzsjRYghvU5b+h/NXaGgN4Uauh/fEp/9Fb+L8bxR8I5kVJR92WECtUKYeJ/zNi33umkqZscQ/G+ZXKHmg4/TxRlDYczXkTRuqLMMepj6MT5v9VR7rtcU3J9+HZ7g2T3l/nvZuw7cL3vKCMAsvwquja2QpyXFHSwKbq4wX2u36oQHHfvCAb//8maJP73t2CrH3bwovGwiHUTpFJfGvAQO8JbriL/3MFAAA=&quot;"/>
-    <we:property name="isFiltersActionButtonVisible" value="false"/>
-    <we:property name="isFooterCollapsed" value="true"/>
-    <we:property name="pageDisplayName" value="&quot;Issues by Year&quot;"/>
-    <we:property name="pageName" value="&quot;ReportSection103baf83e8fecd2d744c&quot;"/>
-    <we:property name="reportEmbeddedTime" value="&quot;2023-02-17T17:17:28.158Z&quot;"/>
-    <we:property name="reportName" value="&quot;complaints viz&quot;"/>
-    <we:property name="reportState" value="&quot;CONNECTED&quot;"/>
-    <we:property name="reportUrl" value="&quot;/groups/me/reports/ff701873-d20e-442c-8f87-56b331f08e9f/ReportSection103baf83e8fecd2d744c?ctid=94c611e1-0207-4c90-a201-cd8fd3e1e49e&quot;"/>
-  </we:properties>
-  <we:bindings/>
-  <we:snapshot xmlns:r="http://schemas.openxmlformats.org/officeDocument/2006/relationships" r:embed="rId1"/>
-</we:webextension>
-</file>
-
-<file path=ppt/webextensions/webextension12.xml><?xml version="1.0" encoding="utf-8"?>
-<we:webextension xmlns:we="http://schemas.microsoft.com/office/webextensions/webextension/2010/11" id="{A878AF92-56EC-4792-A9F9-49E45B7749D9}">
-  <we:reference id="WA200003233" version="2.0.0.3" store="en-US" storeType="OMEX"/>
-  <we:alternateReferences/>
-  <we:properties>
-    <we:property name="Microsoft.Office.CampaignId" value="&quot;none&quot;"/>
-    <we:property name="backgroundColor" value="&quot;#FFFFFF&quot;"/>
-    <we:property name="bookmark" value="&quot;H4sIAAAAAAAAA+VWYWvbMBD9K0Ofw4jt2Inzrc1SGIwRmlEYI5SzdHbVypaR5KxZyH/fSXbIWjo2Bt1a9snS0zvp6e6d7T0T0rYKdh+hRjZn51rf1WDu3kRsxJqHWJKJKCryPEpLmObFGDDxLN06qRvL5nvmwFTorqTtQPkNCfzCIogTKCd8lo/HacZnBWbANiMGSq2g8pwSlMURa9FY3YCS37Dfgpac6fAwYnjfKm3AH7R24NAftiU6zUlg9DYhHcCd3OIauevRS2y1ccO8zEuciOkEIjGLyyKOEHKKsf1qEP9rvj80CFvoxoFsSIDHiuksSzhdMEqKgotJEgvu8VIqd6TslvetoWzsj0m9CItpmmbpuCxExPNUzMQkS2KS5Xat5yzoppU2koNiIQcGbX/lPVto1dVhtHyAr3VnOF5iGZYaJ93O76QQGhTXJNx2NRoa1FR12TjLDpTfldGU/UCloei4C/CN/rowSCoEm48Po/1R2JnYQsMJfazqrKoMVuCG6fLvSH5vbYcBvOiaofzxH+l/NomfEcwTKd0QYmVTqcHxJ4t96pUqctniBozzjVbckjm9nyhKG4HmfBcs9U6ao+vj0SPlL6oih82xTYl7+0PvDU7vr/PcRdgcPP7ka+mnXft6jJ++CuOfJP2Tl9y6K2rpSMv1VsJ/3pfpS+rL0JqnhDIKrMLXXnfOtsBxRZsGNW0fLzHwyDfQCF+8MDb++UFSI/e1uwLV+bKFPw0WDqFyykLh7wYM8r4DAJoZPzAJAAA=&quot;"/>
-    <we:property name="creatorSessionId" value="&quot;3cf35182-4325-42fc-9f17-45d949c7b297&quot;"/>
-    <we:property name="creatorTenantId" value="&quot;94c611e1-0207-4c90-a201-cd8fd3e1e49e&quot;"/>
-    <we:property name="creatorUserId" value="&quot;1003200231FE1A01&quot;"/>
-    <we:property name="datasetId" value="&quot;c410b94c-3969-4a28-89e5-016251bec109&quot;"/>
-    <we:property name="embedUrl" value="&quot;/reportEmbed?reportId=ff701873-d20e-442c-8f87-56b331f08e9f&amp;config=eyJjbHVzdGVyVXJsIjoiaHR0cHM6Ly9XQUJJLVNPVVRILUFGUklDQS1OT1JUSC1BLVBSSU1BUlktcmVkaXJlY3QuYW5hbHlzaXMud2luZG93cy5uZXQiLCJlbWJlZEZlYXR1cmVzIjp7Im1vZGVybkVtYmVkIjp0cnVlLCJ1c2FnZU1ldHJpY3NWTmV4dCI6dHJ1ZX19&amp;disableSensitivityBanner=true&quot;"/>
-    <we:property name="initialStateBookmark" value="&quot;H4sIAAAAAAAAA+VWYW/aMBD9K5M/RxNJCIV+o4xKU9cWwVRpmhC62JfUrYkj22FliP/esxPEVm3aNKlbq33Cfr47P9+9B+yYkLZWsL2CNbJTdqb1/RrM/ZuYRazqsOvri8vx/GJ1Nb6cEqxrJ3Vl2emOOTAluhtpG1C+AoGflxEDpWZQ+l0BymLEajRWV6DkV2yD6ciZBvcRw4daaQO+5MKBQ192Q+G0p7vjtyndCNzJDS6QuxadY62N6/bFqMC+OOlDLIZJkScxwohybHsaaP463l8aiE105UBWRMBj+clwkPI+H8ZpnnPRTxPBPV5I5Q4h2+lDbejdu0O/zsNhlmWDrFfkIuajTAxFf5AmRMttax8zoZeW2kgOioUeGLTtk3dsolWzDqvpd/hCN4bjHItwVDnptr6SQqhQrIi4bdZoaLGmgcrKWban/s6Mpu6HUFqKhrsA3+ovE4PEQrDT3j7aHYiNxQYqTuhTVuOyNFiC67bTv0P5vbUNBvC8qbrxJ3/E/9kofkIwP2jpkhArq1J1ij9K7GPLVJHKJrdgnLdUfkfi9HqiLG0EmrNtkNQ7aQ6qT6InzF/URPbLg00p9u4b73VKb5/z3ENY7j0eQ5JCQa4d9XrZgA9zHMDPXft6hJ+9CuEfKf2TL7lFk6+lIy6rjYT/3JfZS/JlsOaxoYwSy/Brrxtna+A4o6KBTd3mSwxxpBuohB9eWBv/+UGSkdvZ3YBq/NjCPw0WLqFxylzh7yZ09B4BbKRqmQsJAAA=&quot;"/>
-    <we:property name="isFiltersActionButtonVisible" value="false"/>
-    <we:property name="isFooterCollapsed" value="true"/>
-    <we:property name="pageDisplayName" value="&quot;Multivariate on Issues&quot;"/>
-    <we:property name="reportEmbeddedTime" value="&quot;2023-02-17T17:18:39.716Z&quot;"/>
-    <we:property name="reportName" value="&quot;complaints viz&quot;"/>
-    <we:property name="reportState" value="&quot;CONNECTED&quot;"/>
-    <we:property name="reportUrl" value="&quot;/links/0OBR_YZ8Bi?ctid=94c611e1-0207-4c90-a201-cd8fd3e1e49e&amp;pbi_source=linkShare&amp;bookmarkGuid=e6d83623-f1ca-44bb-8fcf-f3f7bba91e75&amp;fromEntryPoint=share&quot;"/>
+    <we:property name="creatorSessionId" value="&quot;d3eb59a7-f014-4aeb-99de-4bfe21da1e3a&quot;"/>
   </we:properties>
   <we:bindings/>
   <we:snapshot xmlns:r="http://schemas.openxmlformats.org/officeDocument/2006/relationships" r:embed="rId1"/>
@@ -9131,26 +8398,28 @@
 </file>
 
 <file path=ppt/webextensions/webextension2.xml><?xml version="1.0" encoding="utf-8"?>
-<we:webextension xmlns:we="http://schemas.microsoft.com/office/webextensions/webextension/2010/11" id="{D37F06C6-6AAF-46F1-BEBD-9E3AA08EA8DE}">
-  <we:reference id="WA200003233" version="2.0.0.3" store="en-US" storeType="OMEX"/>
-  <we:alternateReferences/>
+<we:webextension xmlns:we="http://schemas.microsoft.com/office/webextensions/webextension/2010/11" id="{25893968-6A5A-4FBF-B3C4-F8231C85C2D2}">
+  <we:reference id="wa200003233" version="2.0.0.3" store="en-US" storeType="OMEX"/>
+  <we:alternateReferences>
+    <we:reference id="wa200003233" version="2.0.0.3" store="wa200003233" storeType="OMEX"/>
+  </we:alternateReferences>
   <we:properties>
-    <we:property name="Microsoft.Office.CampaignId" value="&quot;none&quot;"/>
+    <we:property name="creatorTenantId" value="&quot;94c611e1-0207-4c90-a201-cd8fd3e1e49e&quot;"/>
+    <we:property name="reportUrl" value="&quot;/groups/me/reports/3132799d-d56f-47b7-ba3e-27bf9622e23d/ReportSection4046e94f2514481c2c0b?ctid=94c611e1-0207-4c90-a201-cd8fd3e1e49e&quot;"/>
+    <we:property name="reportName" value="&quot;Consumer Complaints for PPT&quot;"/>
+    <we:property name="reportState" value="&quot;CONNECTED&quot;"/>
+    <we:property name="embedUrl" value="&quot;/reportEmbed?reportId=3132799d-d56f-47b7-ba3e-27bf9622e23d&amp;config=eyJjbHVzdGVyVXJsIjoiaHR0cHM6Ly9XQUJJLVNPVVRILUFGUklDQS1OT1JUSC1BLVBSSU1BUlktcmVkaXJlY3QuYW5hbHlzaXMud2luZG93cy5uZXQiLCJlbWJlZEZlYXR1cmVzIjp7Im1vZGVybkVtYmVkIjp0cnVlLCJ1c2FnZU1ldHJpY3NWTmV4dCI6dHJ1ZX19&amp;disableSensitivityBanner=true&quot;"/>
+    <we:property name="pageName" value="&quot;ReportSection4046e94f2514481c2c0b&quot;"/>
+    <we:property name="pageDisplayName" value="&quot;Page 1&quot;"/>
+    <we:property name="datasetId" value="&quot;c410b94c-3969-4a28-89e5-016251bec109&quot;"/>
     <we:property name="backgroundColor" value="&quot;#FFFFFF&quot;"/>
-    <we:property name="bookmark" value="&quot;H4sIAAAAAAAAA9VUTW/bMAz9K4POxmA3iT9ya7PsNAxBM/QyBAMtMa5aWTIkOWsW+L+Pkt2u6Q4ddig2Xyw+UeJ75LNPTEjXKTh+hhbZkl0Zc9+CvX+XsYTpc6yoijwtsajyEua8LvMUkLJM56XRji1PzINt0N9I14MKFxL4dZcwUGoDTYj2oBwmrEPrjAYlf+CYTFve9jgkDB86ZSyEK7cePIZrD5ROMVHJ3s+oInAvD7hF7kf0Gjtj/RTP0mJeZDmHapbmKESWZZzOuHE30nw9PxSNxFZGe5CaCARMVMWiTOuyFGU5T+eLWYUQ8L1Ufkqpj+uHzpJu6saxC+1bkYrGWMlBsajPohvlnNjKqL6Nq/UZvjW95XiN+7ilvfTHcJNC0Ci+ESnXt2hp0dLspPaODdS7jTXU2ZhKS9FzH+Fb831lkVgItkyH5InYpTiA5oS+ZHXZNBYb8FO4fnvKH3s9DXfxu4IdIU7qRk3m+TWtL6OwGuzqFqwP5qzvaMxhMnTIWIH26hiH80HaR/9cJC+k/GP6h92j5Snl7pmPJ2eNgt6A124IW/Oqhj2mVS14yXGfLmCRvvoR/Bdeu/gLr3Gw4txn8XmOMOLSxB+Z6b3rgOOGeMbudCMliTGPOgNahMJxbcP7k6SmjnVvQPWhZPyJsliEqMha4Z8eGEc4/ATcMImP9QUAAA==&quot;"/>
-    <we:property name="creatorSessionId" value="&quot;1eb5198d-afb9-4514-84eb-cc04694666b8&quot;"/>
-    <we:property name="creatorTenantId" value="&quot;94c611e1-0207-4c90-a201-cd8fd3e1e49e&quot;"/>
+    <we:property name="bookmark" value="&quot;H4sIAAAAAAAAA91UTW/bMAz9K4POxhB/ZE5zS73s0rUNkqGXoShoiXHVypIhyVmzIP99lOxibTGgww7FtlwiPlEU33u0DkxI1ynYX0CLbM5Ojblvwd6/S1nC9IhdXp6dL9ZnNxeL8yXBpvPSaMfmB+bBNuivpOtBhQoEfr1OGCi1giZEW1AOE9ahdUaDkt9xSKYtb3s8JgwfOmUshJIbDx5D2R2lU0x3p+9zuhG4lzvcIPcDusbOWD/GxaT4gCfFNpumRTFLecYnNZ1xw25s8/X8cGlsrDLag9TUQMDKsijzQpS5SMtsBrmASRrwrVR+TKn3y4fOEm9SY98FvRZiB5qjYJGcRTdwObBF01hswI/h8tlmZVTf/gLfmN5yXOM2bmkv/Z7uqBSCRnFD7bq+RUuLlmyU2jt2JFVX1pDmMZWWouc+wp96PWqYhfDWfKsskuiCzSfHa0Kc1I0aPfopypeBGAcbSJn6jpQM5OmAsQLt6T7y/yjto0VZ8oLGX8adyBI0m2Y4EXCSpyXmdck5lOWr9lakV2Os5KTQS4ffhMhz15J/a+6mfzB3NdjqFqz/H2ZvGmbv8UWjlLsnz9Q4WQOhN+iLvoHwe6oqo7NNfINN710HHFdUNzbUDSUkxjyaMNAiGBjXNvx/lvTVDP5dgeqDdfH9Z/ESslTWCn/3wNjeD3asO1KhBgAA&quot;"/>
+    <we:property name="initialStateBookmark" value="&quot;H4sIAAAAAAAAA91UTW/bMAz9K4POxhB/ZE5zS73s0rUNkqGXoShoiXHVypIhyVmzIP99lOxibTGgww7FtlwiPlEU33u0DkxI1ynYX0CLbM5Ojblvwd6/S1nC9IhdXp6dL9ZnNxeL8yXBpvPSaMfmB+bBNuivpOtBhQoEfr1OGCi1giZEW1AOE9ahdUaDkt9xSKYtb3s8JgwfOmUshJIbDx5D2R2lU0x3p+9zuhG4lzvcIPcDusbOWD/GxaT4gCfFNpumRTFLecYnNZ1xw25s8/X8cGlsrDLag9TUQMDKsijzQpS5SMtsBrmASRrwrVR+TKn3y4fOEm9SY98FvRZiB5qjYJGcRTdwObBF01hswI/h8tlmZVTf/gLfmN5yXOM2bmkv/Z7uqBSCRnFD7bq+RUuLlmyU2jt2JFVX1pDmMZWWouc+wp96PWqYhfDWfKsskuiCzSfHa0Kc1I0aPfopypeBGAcbSJn6jpQM5OmAsQLt6T7y/yjto0VZ8oLGX8adyBI0m2Y4EXCSpyXmdck5lOWr9lakV2Os5KTQS4ffhMhz15J/a+6mfzB3NdjqFqz/H2ZvGmbv8UWjlLsnz9Q4WQOhN+iLvoHwe6oqo7NNfINN710HHFdUNzbUDSUkxjyaMNAiGBjXNvx/lvTVDP5dgeqDdfH9Z/ESslTWCn/3wNjeD3asO1KhBgAA&quot;"/>
+    <we:property name="isFooterCollapsed" value="true"/>
+    <we:property name="isFiltersActionButtonVisible" value="false"/>
+    <we:property name="reportEmbeddedTime" value="&quot;2023-02-26T11:30:06.056Z&quot;"/>
     <we:property name="creatorUserId" value="&quot;1003200231FE1A01&quot;"/>
-    <we:property name="datasetId" value="&quot;c410b94c-3969-4a28-89e5-016251bec109&quot;"/>
-    <we:property name="embedUrl" value="&quot;/reportEmbed?reportId=ff701873-d20e-442c-8f87-56b331f08e9f&amp;config=eyJjbHVzdGVyVXJsIjoiaHR0cHM6Ly9XQUJJLVNPVVRILUFGUklDQS1OT1JUSC1BLVBSSU1BUlktcmVkaXJlY3QuYW5hbHlzaXMud2luZG93cy5uZXQiLCJlbWJlZEZlYXR1cmVzIjp7Im1vZGVybkVtYmVkIjp0cnVlLCJ1c2FnZU1ldHJpY3NWTmV4dCI6dHJ1ZX19&amp;disableSensitivityBanner=true&quot;"/>
-    <we:property name="initialStateBookmark" value="&quot;H4sIAAAAAAAAA9VUwW7bMAz9lUFnY7CbuLFzS7Ps0rUNkqGXIihoiXHVKpIhyVmzwP8+Sna3tjt02KHYfLH4RInvkc8+MiFdo+BwCTtkU3ZmzMMO7MOHjCVMD9jV1fnFbHV+ezm7WBBsGi+Ndmx6ZB5sjf5auhZUuIHAm03CQKkl1CHagnKYsAatMxqU/I59Mm1522KXMHxslLEQrlx78Biu3VM6xVQ7+ziiisC93OMaue/RFTbG+iEepZPxJDvlUI7SUxQiyzJOZ1y/G2m+nR+KRmJzoz1ITQQCJspJXqRVUYiiGKfjfFQiBHwrlR9SqsPisbGkm7pxaEK/5qSiNlZyUCzqs+h6OUc2N6rdxdXiBb42reW4wm3c0l76Q7hJIWgUt0TKtTu0tNjRsKT2jnXUu6U11NmYSkvRch/hO/NtbpFYCDZNu+QnsZnYg+aEvmY1q2uLNfghXLw/5c+tHoab/65gQ4iTulaDeX5N62svrAI7vwPrgzmrexpzmAwdMlagPTvE4XyS9sk/J8krKf+Y/m7zZHlKuX/m48FZvaB34LXpwta4rGCLaVkJXnDcpjnk6ZsfwX/htZO/8BoHK176LD7PEUZc6vgjM613DXBcEs/YnaanJDHmUWdAi1A4rm14f5HU1L7uNag2lIw/URaLEBVZKfzTA/0Iux85oDwA5gUAAA==&quot;"/>
-    <we:property name="isFiltersActionButtonVisible" value="false"/>
-    <we:property name="isFooterCollapsed" value="true"/>
-    <we:property name="pageDisplayName" value="&quot;Products&quot;"/>
-    <we:property name="reportEmbeddedTime" value="&quot;2023-02-17T15:00:56.991Z&quot;"/>
-    <we:property name="reportName" value="&quot;complaints viz&quot;"/>
-    <we:property name="reportState" value="&quot;CONNECTED&quot;"/>
-    <we:property name="reportUrl" value="&quot;/links/0OBR_YZ8Bi?ctid=94c611e1-0207-4c90-a201-cd8fd3e1e49e&amp;pbi_source=linkShare&amp;bookmarkGuid=0488121d-450c-441b-a565-aa4bca0b9e1d&amp;fromEntryPoint=share&quot;"/>
+    <we:property name="creatorSessionId" value="&quot;8e87c07c-a61b-42ac-a1b7-9709a062a5dc&quot;"/>
   </we:properties>
   <we:bindings/>
   <we:snapshot xmlns:r="http://schemas.openxmlformats.org/officeDocument/2006/relationships" r:embed="rId1"/>
@@ -9158,26 +8427,27 @@
 </file>
 
 <file path=ppt/webextensions/webextension3.xml><?xml version="1.0" encoding="utf-8"?>
-<we:webextension xmlns:we="http://schemas.microsoft.com/office/webextensions/webextension/2010/11" id="{61F6D697-C940-4D08-B9AB-CFF23FFA6CE0}">
-  <we:reference id="WA200003233" version="2.0.0.3" store="en-US" storeType="OMEX"/>
-  <we:alternateReferences/>
+<we:webextension xmlns:we="http://schemas.microsoft.com/office/webextensions/webextension/2010/11" id="{44EFEBCA-6F31-46AF-B28F-2B567E69C065}">
+  <we:reference id="wa200003233" version="2.0.0.3" store="en-US" storeType="OMEX"/>
+  <we:alternateReferences>
+    <we:reference id="wa200003233" version="2.0.0.3" store="wa200003233" storeType="OMEX"/>
+  </we:alternateReferences>
   <we:properties>
-    <we:property name="Microsoft.Office.CampaignId" value="&quot;none&quot;"/>
+    <we:property name="creatorTenantId" value="&quot;94c611e1-0207-4c90-a201-cd8fd3e1e49e&quot;"/>
+    <we:property name="reportUrl" value="&quot;/groups/me/reports/3132799d-d56f-47b7-ba3e-27bf9622e23d/ReportSectionf84fd9eb729165d4572a?ctid=94c611e1-0207-4c90-a201-cd8fd3e1e49e&quot;"/>
+    <we:property name="reportName" value="&quot;Consumer Complaints for PPT&quot;"/>
+    <we:property name="reportState" value="&quot;CONNECTED&quot;"/>
+    <we:property name="embedUrl" value="&quot;/reportEmbed?reportId=3132799d-d56f-47b7-ba3e-27bf9622e23d&amp;config=eyJjbHVzdGVyVXJsIjoiaHR0cHM6Ly9XQUJJLVNPVVRILUFGUklDQS1OT1JUSC1BLVBSSU1BUlktcmVkaXJlY3QuYW5hbHlzaXMud2luZG93cy5uZXQiLCJlbWJlZEZlYXR1cmVzIjp7Im1vZGVybkVtYmVkIjp0cnVlLCJ1c2FnZU1ldHJpY3NWTmV4dCI6dHJ1ZX19&amp;disableSensitivityBanner=true&quot;"/>
+    <we:property name="pageName" value="&quot;ReportSectionf84fd9eb729165d4572a&quot;"/>
+    <we:property name="pageDisplayName" value="&quot;Page 3&quot;"/>
+    <we:property name="datasetId" value="&quot;c410b94c-3969-4a28-89e5-016251bec109&quot;"/>
     <we:property name="backgroundColor" value="&quot;#FFFFFF&quot;"/>
-    <we:property name="bookmark" value="&quot;H4sIAAAAAAAAA9VUUU/bMBD+K5Ofo6lOCyV9K1knTQyo2omXqUIX5xIMrh3ZTkdX5b/v7ISxwQNo0qbxFPu789333X3KgZXSNQr2F7BFNmOnxtxtwd694yxhesAuL8/O56uz64v5+YJg03hptGOzA/Nga/RX0rWgQgUCv24SBkotoQ63CpTDhDVondGg5HfskynkbYtdwvC+UcZCKLn24DGU3VE63ak3fz+mjiC83OEahe/RFTbG+uFeTKaTlAs+AnFSpcizrJjSG9dHI82X80PTSCw32oPURCBg5XQ0KkQKownn2cnxcVWACHgllR9Siv3ivrGkm6axb8K8clJRGysFKBb1WXS9nAPLjWq38bT4DV+b1gpcYRVD2ku/D5UUgsbymki5douWDltaltTesY5mt7SGJhtTPznXYgRvzLfcInEo2WzUJT9pzcsdaEHoU07zurZYgx+ui39N+GOrh8UePee/IcRJXavBOI+b+tLLKsDmN2B9MGZxSysOW6FHxpZoT/dxMR+kffBOmjwR8l+p7zYPZqfc218cPHiql/PXWW26EKhSzo94wccZ8jHPxmmWlS+a/w24LP0Dlwmw5dt3WNr1uw3ooxRGher43zWtdw0IXFKTKKvp60mMebRQ0CWWw9mG72dJXugHdgWqDbOK/3wWm9AMZaHwtQ8Gdj8A+XkL/pUGAAA=&quot;"/>
-    <we:property name="creatorSessionId" value="&quot;4f206124-9dcf-41bf-abbd-a5a540bc46df&quot;"/>
-    <we:property name="creatorTenantId" value="&quot;94c611e1-0207-4c90-a201-cd8fd3e1e49e&quot;"/>
+    <we:property name="bookmark" value="&quot;H4sIAAAAAAAAA9VU72vbMBD9V4Y+m5G4cX59S70MRtc2JKNfRiln6+yqVSRzkrNmIf/7TrLL2jLoGGys/mLr6XR3772zDkIq12jYX8AWxVycWnu/Bbp/NxSJMD12eXl2vlif3VwszpcM28Yra5yYH4QHqtFfKdeCDhkY/HqdCNB6BXVYVaAdJqJBctaAVt+xC+YtTy0eE4EPjbYEIeXGg8eQdsfhvObaw/cnXBFKr3a4wdJ36BobS75fV9NRJWdYTNLZcJzJUTZJgc+4bje2+Xp8KBoby63xoAw3ELDJuCogkyiHKKdpgZNikAW8Utr3IcV++dAQ82Y19k3QayF3YEqUIpIjdB2Xg1jUNWENvl8un23mVrfbX+Ab21KJa6zilvHK77lGrhEMyhtu17VbJP7Yso3KeCeOrOqKLGseQz8512IEP7amVzANy1v7LSdkyaWYD47XjDhlat079FOSLx2tEihQssUd6xio8wFLEul0H9l/UPRoUJq8IPFfMWeqDJ1MYDQqptU4G8zSYiTlYDh71dqc1aotqZL1eenuP6Dx3LHkLU1c9gcTVwDlt0D+7U9dFqbu8R7j2Lsnl1M/Ux2dv94Vz354nioq+GQd713betdAiSvOGttpugQKYxzPFhgZzIvfFN6fFf8tnXdXoNtgW7zzRSzCdqpC4+8e6Nv7Af9JxcqVBgAA&quot;"/>
+    <we:property name="initialStateBookmark" value="&quot;H4sIAAAAAAAAA9VU72vbMBD9V4Y+m5G4cX59S70MRtc2JKNfRiln6+yqVSRzkrNmIf/7TrLL2jLoGGys/mLr6XR3772zDkIq12jYX8AWxVycWnu/Bbp/NxSJMD12eXl2vlif3VwszpcM28Yra5yYH4QHqtFfKdeCDhkY/HqdCNB6BXVYVaAdJqJBctaAVt+xC+YtTy0eE4EPjbYEIeXGg8eQdsfhvObaw/cnXBFKr3a4wdJ36BobS75fV9NRJWdYTNLZcJzJUTZJgc+4bje2+Xp8KBoby63xoAw3ELDJuCogkyiHKKdpgZNikAW8Utr3IcV++dAQ82Y19k3QayF3YEqUIpIjdB2Xg1jUNWENvl8un23mVrfbX+Ab21KJa6zilvHK77lGrhEMyhtu17VbJP7Yso3KeCeOrOqKLGseQz8512IEP7amVzANy1v7LSdkyaWYD47XjDhlat079FOSLx2tEihQssUd6xio8wFLEul0H9l/UPRoUJq8IPFfMWeqDJ1MYDQqptU4G8zSYiTlYDh71dqc1aotqZL1eenuP6Dx3LHkLU1c9gcTVwDlt0D+7U9dFqbu8R7j2Lsnl1M/Ux2dv94Vz354nioq+GQd713betdAiSvOGttpugQKYxzPFhgZzIvfFN6fFf8tnXdXoNtgW7zzRSzCdqpC4+8e6Nv7Af9JxcqVBgAA&quot;"/>
+    <we:property name="isFiltersActionButtonVisible" value="false"/>
+    <we:property name="reportEmbeddedTime" value="&quot;2023-02-26T11:39:55.401Z&quot;"/>
     <we:property name="creatorUserId" value="&quot;1003200231FE1A01&quot;"/>
-    <we:property name="datasetId" value="&quot;c410b94c-3969-4a28-89e5-016251bec109&quot;"/>
-    <we:property name="embedUrl" value="&quot;/reportEmbed?reportId=ff701873-d20e-442c-8f87-56b331f08e9f&amp;config=eyJjbHVzdGVyVXJsIjoiaHR0cHM6Ly9XQUJJLVNPVVRILUFGUklDQS1OT1JUSC1BLVBSSU1BUlktcmVkaXJlY3QuYW5hbHlzaXMud2luZG93cy5uZXQiLCJlbWJlZEZlYXR1cmVzIjp7Im1vZGVybkVtYmVkIjp0cnVlLCJ1c2FnZU1ldHJpY3NWTmV4dCI6dHJ1ZX19&amp;disableSensitivityBanner=true&quot;"/>
-    <we:property name="initialStateBookmark" value="&quot;H4sIAAAAAAAAA9VUUU/bMBD+K5Ofo6lOCyV9K1knTQyo2omXqUIX5xIMrh3ZTkdX5b/v7ISxwQNo0qbxFPu789333X3KgZXSNQr2F7BFNmOnxtxtwd694yxhesAuL8/O56uz64v5+YJg03hptGOzA/Nga/RX0rWgQgUCv24SBkotoQ63CpTDhDVondGg5HfskynkbYtdwvC+UcZCKLn24DGU3VE63ak3fz+mjiC83OEahe/RFTbG+uFeTKaTlAs+AnFSpcizrJjSG9dHI82X80PTSCw32oPURCBg5XQ0KkQKownn2cnxcVWACHgllR9Siv3ivrGkm6axb8K8clJRGysFKBb1WXS9nAPLjWq38bT4DV+b1gpcYRVD2ku/D5UUgsbymki5douWDltaltTesY5mt7SGJhtTPznXYgRvzLfcInEo2WzUJT9pzcsdaEHoU07zurZYgx+ui39N+GOrh8UePee/IcRJXavBOI+b+tLLKsDmN2B9MGZxSysOW6FHxpZoT/dxMR+kffBOmjwR8l+p7zYPZqfc218cPHiql/PXWW26EKhSzo94wccZ8jHPxmmWlS+a/w24LP0Dlwmw5dt3WNr1uw3ooxRGher43zWtdw0IXFKTKKvp60mMebRQ0CWWw9mG72dJXugHdgWqDbOK/3wWm9AMZaHwtQ8Gdj8A+XkL/pUGAAA=&quot;"/>
-    <we:property name="isFiltersActionButtonVisible" value="false"/>
-    <we:property name="isFooterCollapsed" value="true"/>
-    <we:property name="pageDisplayName" value="&quot;Issues&quot;"/>
-    <we:property name="reportEmbeddedTime" value="&quot;2023-02-17T16:35:20.244Z&quot;"/>
-    <we:property name="reportName" value="&quot;complaints viz&quot;"/>
-    <we:property name="reportState" value="&quot;CONNECTED&quot;"/>
-    <we:property name="reportUrl" value="&quot;/links/0OBR_YZ8Bi?ctid=94c611e1-0207-4c90-a201-cd8fd3e1e49e&amp;pbi_source=linkShare&amp;bookmarkGuid=7723e76b-324f-4a32-9a0f-b403629a8de8&amp;fromEntryPoint=share&quot;"/>
+    <we:property name="creatorSessionId" value="&quot;ededf9b6-4d02-432e-aa2c-dda398dfa383&quot;"/>
   </we:properties>
   <we:bindings/>
   <we:snapshot xmlns:r="http://schemas.openxmlformats.org/officeDocument/2006/relationships" r:embed="rId1"/>
@@ -9185,28 +8455,28 @@
 </file>
 
 <file path=ppt/webextensions/webextension4.xml><?xml version="1.0" encoding="utf-8"?>
-<we:webextension xmlns:we="http://schemas.microsoft.com/office/webextensions/webextension/2010/11" id="{52DB18BF-86D1-474D-B39C-7F3C01AC4EB2}">
+<we:webextension xmlns:we="http://schemas.microsoft.com/office/webextensions/webextension/2010/11" id="{34A0234B-5E76-4D02-9AA8-90E00EC9222E}">
   <we:reference id="wa200003233" version="2.0.0.3" store="en-US" storeType="OMEX"/>
   <we:alternateReferences>
     <we:reference id="wa200003233" version="2.0.0.3" store="wa200003233" storeType="OMEX"/>
   </we:alternateReferences>
   <we:properties>
     <we:property name="creatorTenantId" value="&quot;94c611e1-0207-4c90-a201-cd8fd3e1e49e&quot;"/>
-    <we:property name="reportUrl" value="&quot;/groups/me/reports/ff701873-d20e-442c-8f87-56b331f08e9f/ReportSection3704db94cd28ef941458?ctid=94c611e1-0207-4c90-a201-cd8fd3e1e49e&quot;"/>
-    <we:property name="reportName" value="&quot;complaints viz&quot;"/>
+    <we:property name="reportUrl" value="&quot;/groups/me/reports/3132799d-d56f-47b7-ba3e-27bf9622e23d/ReportSectionb27250ac95a8aeeac0a1?ctid=94c611e1-0207-4c90-a201-cd8fd3e1e49e&quot;"/>
+    <we:property name="reportName" value="&quot;Consumer Complaints for PPT&quot;"/>
     <we:property name="reportState" value="&quot;CONNECTED&quot;"/>
-    <we:property name="embedUrl" value="&quot;/reportEmbed?reportId=ff701873-d20e-442c-8f87-56b331f08e9f&amp;config=eyJjbHVzdGVyVXJsIjoiaHR0cHM6Ly9XQUJJLVNPVVRILUFGUklDQS1OT1JUSC1BLVBSSU1BUlktcmVkaXJlY3QuYW5hbHlzaXMud2luZG93cy5uZXQiLCJlbWJlZEZlYXR1cmVzIjp7Im1vZGVybkVtYmVkIjp0cnVlLCJ1c2FnZU1ldHJpY3NWTmV4dCI6dHJ1ZX19&amp;disableSensitivityBanner=true&quot;"/>
-    <we:property name="pageName" value="&quot;ReportSection3704db94cd28ef941458&quot;"/>
-    <we:property name="pageDisplayName" value="&quot;Complaints Submission&quot;"/>
+    <we:property name="embedUrl" value="&quot;/reportEmbed?reportId=3132799d-d56f-47b7-ba3e-27bf9622e23d&amp;config=eyJjbHVzdGVyVXJsIjoiaHR0cHM6Ly9XQUJJLVNPVVRILUFGUklDQS1OT1JUSC1BLVBSSU1BUlktcmVkaXJlY3QuYW5hbHlzaXMud2luZG93cy5uZXQiLCJlbWJlZEZlYXR1cmVzIjp7Im1vZGVybkVtYmVkIjp0cnVlLCJ1c2FnZU1ldHJpY3NWTmV4dCI6dHJ1ZX19&amp;disableSensitivityBanner=true&quot;"/>
+    <we:property name="pageName" value="&quot;ReportSectionb27250ac95a8aeeac0a1&quot;"/>
+    <we:property name="pageDisplayName" value="&quot;Page 4&quot;"/>
     <we:property name="datasetId" value="&quot;c410b94c-3969-4a28-89e5-016251bec109&quot;"/>
     <we:property name="backgroundColor" value="&quot;#FFFFFF&quot;"/>
-    <we:property name="bookmark" value="&quot;H4sIAAAAAAAAA81UyW7bMBD9lYJnobBsuYl9c1Tnks2wi1wCIxhJY4UJRQrkyI1q6N87pJQ2S4H01MYXk2+2N/OGOohCulpBewkVirk4MeahAvvwKRaR0AN2dXV2sVif3V4uLpYMm5qk0U7MD4LAlkjX0jWgfAYGb0QMo8lsHCfFl3iWjI8SmMRTsY0EKLWC0vvsQDmMRI3WGQ1K/sA+BZvINthFAh9rZSz4QhsCQl9sz+58Z0bx5wnzgJzkHjeYU4+usTaWhvvkaJQU2SzJi/Ex7mZJnEyPOcb11kD+fX9fNBBLjSaQmgl47I8NMr6TigaXrF0+1panwTNqaz/FlLsojZU5KBH6s+j6dg4iNaqpwmn5At+Yxua4xl0waZLU+kwKQWNxy6RcU6HlQ8USSk1OdDy7lTU82eC6abJKErHzXkIw3pnvqUXmUoj5qIt+0VsUe9A5o6+5LcrSYgk0XJf/i/hpowehp2/72DLipC7VsEi/lfvWt5cHoukdWPIbnN2z6l4ojjO2QHvSBq2+Svu0TuPoVU8fchDd9ukdcMz9s+Ue1q1v65+x23bh93zCgjOU4f2ahlwNOa44e6BV94kkBj9eO9CF1zOcrf8/l/ygejmvQTVeyfDtEKEIKywzhX8bMND7Cd65OUXzBAAA&quot;"/>
-    <we:property name="initialStateBookmark" value="&quot;H4sIAAAAAAAAA81UyW7bMBD9lYJnobBsuYl9c1Tnks2wi1wCIxhJY4UJRQrkyI1q6N87pJQ2S4H01MYXk2+2N/OGOohCulpBewkVirk4MeahAvvwKRaR0AN2dXV2sVif3V4uLpYMm5qk0U7MD4LAlkjX0jWgfAYGb0QMo8lsHCfFl3iWjI8SmMRTsY0EKLWC0vvsQDmMRI3WGQ1K/sA+BZvINthFAh9rZSz4QhsCQl9sz+58Z0bx5wnzgJzkHjeYU4+usTaWhvvkaJQU2SzJi/Ex7mZJnEyPOcb11kD+fX9fNBBLjSaQmgl47I8NMr6TigaXrF0+1panwTNqaz/FlLsojZU5KBH6s+j6dg4iNaqpwmn5At+Yxua4xl0waZLU+kwKQWNxy6RcU6HlQ8USSk1OdDy7lTU82eC6abJKErHzXkIw3pnvqUXmUoj5qIt+0VsUe9A5o6+5LcrSYgk0XJf/i/hpowehp2/72DLipC7VsEi/lfvWt5cHoukdWPIbnN2z6l4ojjO2QHvSBq2+Svu0TuPoVU8fchDd9ukdcMz9s+Ue1q1v65+x23bh93zCgjOU4f2ahlwNOa44e6BV94kkBj9eO9CF1zOcrf8/l/ygejmvQTVeyfDtEKEIKywzhX8bMND7Cd65OUXzBAAA&quot;"/>
+    <we:property name="bookmark" value="&quot;H4sIAAAAAAAAA81UwW7bMAz9lUFnY3AdOF1zS93s0rUNkqGXIShomXHVypIh0Vm9wP8+Sna3rjusp225RHykyEc+ykdRKd9q6K+hQbEQ59Y+NuAe352IRJgJu7m5vFpuLu+ul1crhm1LyhovFkdB4GqkW+U70CEDg192iQCt11AHaw/aYyJadN4a0OobjsHsItfhkAh8arV1EFJuCQhD2gOHs821T97PuCJIUgfcoqQR3WBrHU12mZ1meQryLIcPgAgyhUDej95I88/xoWgkVlhDoAwTCNg8k+lZjrN0Nocsy+RpNs8DvleappCyXz21jvvmafRtmFfBXdTWKQlaxP4c+rGdoyis7pp4Wv2Cb23nJG5wH12GFPUhk0YwWN0xKd816PjQsFjKkBcDz27tLE82hm67slFEHHxQEJ339mvhkLlUYpEOyQ96y+oARjL6mtuyrh3WQJO5+lfEP3ZmEjr/vY8dI16ZWk+L9FO5z2N7MhIt7sFR2NXygVUPQvE96yp0533U6kK553XKklc9/ZeDGHbP74DvPLxY7mndxrb+GrvdEH8vJyw4Qx3fr+3ItyBxzdkjrXZMpDDG8dqBqYKe8ezC/yfFD2qU8xZ0F5SM3w4Ri7DCqtT41gsTve/PtwJB3QQAAA==&quot;"/>
+    <we:property name="initialStateBookmark" value="&quot;H4sIAAAAAAAAA81UwW7bMAz9lUFnY3AdOF1zS93s0rUNkqGXIShomXHVypIh0Vm9wP8+Sna3rjusp225RHykyEc+ykdRKd9q6K+hQbEQ59Y+NuAe352IRJgJu7m5vFpuLu+ul1crhm1LyhovFkdB4GqkW+U70CEDg192iQCt11AHaw/aYyJadN4a0OobjsHsItfhkAh8arV1EFJuCQhD2gOHs821T97PuCJIUgfcoqQR3WBrHU12mZ1meQryLIcPgAgyhUDej95I88/xoWgkVlhDoAwTCNg8k+lZjrN0Nocsy+RpNs8DvleappCyXz21jvvmafRtmFfBXdTWKQlaxP4c+rGdoyis7pp4Wv2Cb23nJG5wH12GFPUhk0YwWN0xKd816PjQsFjKkBcDz27tLE82hm67slFEHHxQEJ339mvhkLlUYpEOyQ96y+oARjL6mtuyrh3WQJO5+lfEP3ZmEjr/vY8dI16ZWk+L9FO5z2N7MhIt7sFR2NXygVUPQvE96yp0533U6kK553XKklc9/ZeDGHbP74DvPLxY7mndxrb+GrvdEH8vJyw4Qx3fr+3ItyBxzdkjrXZMpDDG8dqBqYKe8ezC/yfFD2qU8xZ0F5SM3w4Ri7DCqtT41gsTve/PtwJB3QQAAA==&quot;"/>
     <we:property name="isFooterCollapsed" value="true"/>
     <we:property name="isFiltersActionButtonVisible" value="false"/>
-    <we:property name="reportEmbeddedTime" value="&quot;2023-02-18T10:42:52.531Z&quot;"/>
+    <we:property name="reportEmbeddedTime" value="&quot;2023-02-26T11:42:44.929Z&quot;"/>
     <we:property name="creatorUserId" value="&quot;1003200231FE1A01&quot;"/>
-    <we:property name="creatorSessionId" value="&quot;678a0ee0-aca8-41ba-9dd4-8dbd31b326de&quot;"/>
+    <we:property name="creatorSessionId" value="&quot;c29461e1-c301-4730-bc1e-aecfd7ee466d&quot;"/>
   </we:properties>
   <we:bindings/>
   <we:snapshot xmlns:r="http://schemas.openxmlformats.org/officeDocument/2006/relationships" r:embed="rId1"/>
@@ -9214,28 +8484,28 @@
 </file>
 
 <file path=ppt/webextensions/webextension5.xml><?xml version="1.0" encoding="utf-8"?>
-<we:webextension xmlns:we="http://schemas.microsoft.com/office/webextensions/webextension/2010/11" id="{62380ADC-D319-4934-94A4-8D1DE7BC4A46}">
+<we:webextension xmlns:we="http://schemas.microsoft.com/office/webextensions/webextension/2010/11" id="{8826350F-1335-4108-8206-FF0C4A85FC70}">
   <we:reference id="wa200003233" version="2.0.0.3" store="en-US" storeType="OMEX"/>
   <we:alternateReferences>
     <we:reference id="wa200003233" version="2.0.0.3" store="wa200003233" storeType="OMEX"/>
   </we:alternateReferences>
   <we:properties>
     <we:property name="creatorTenantId" value="&quot;94c611e1-0207-4c90-a201-cd8fd3e1e49e&quot;"/>
-    <we:property name="reportUrl" value="&quot;/groups/me/reports/ff701873-d20e-442c-8f87-56b331f08e9f/ReportSection818505fa6d1f3e147305?ctid=94c611e1-0207-4c90-a201-cd8fd3e1e49e&quot;"/>
-    <we:property name="reportName" value="&quot;complaints viz&quot;"/>
+    <we:property name="reportUrl" value="&quot;/groups/me/reports/3132799d-d56f-47b7-ba3e-27bf9622e23d/ReportSectionf52403a7d4b996115742?ctid=94c611e1-0207-4c90-a201-cd8fd3e1e49e&quot;"/>
+    <we:property name="reportName" value="&quot;Consumer Complaints for PPT&quot;"/>
     <we:property name="reportState" value="&quot;CONNECTED&quot;"/>
-    <we:property name="embedUrl" value="&quot;/reportEmbed?reportId=ff701873-d20e-442c-8f87-56b331f08e9f&amp;config=eyJjbHVzdGVyVXJsIjoiaHR0cHM6Ly9XQUJJLVNPVVRILUFGUklDQS1OT1JUSC1BLVBSSU1BUlktcmVkaXJlY3QuYW5hbHlzaXMud2luZG93cy5uZXQiLCJlbWJlZEZlYXR1cmVzIjp7Im1vZGVybkVtYmVkIjp0cnVlLCJ1c2FnZU1ldHJpY3NWTmV4dCI6dHJ1ZX19&amp;disableSensitivityBanner=true&quot;"/>
-    <we:property name="pageName" value="&quot;ReportSection818505fa6d1f3e147305&quot;"/>
-    <we:property name="pageDisplayName" value="&quot;Complaints Closed&quot;"/>
+    <we:property name="embedUrl" value="&quot;/reportEmbed?reportId=3132799d-d56f-47b7-ba3e-27bf9622e23d&amp;config=eyJjbHVzdGVyVXJsIjoiaHR0cHM6Ly9XQUJJLVNPVVRILUFGUklDQS1OT1JUSC1BLVBSSU1BUlktcmVkaXJlY3QuYW5hbHlzaXMud2luZG93cy5uZXQiLCJlbWJlZEZlYXR1cmVzIjp7Im1vZGVybkVtYmVkIjp0cnVlLCJ1c2FnZU1ldHJpY3NWTmV4dCI6dHJ1ZX19&amp;disableSensitivityBanner=true&quot;"/>
+    <we:property name="pageName" value="&quot;ReportSectionf52403a7d4b996115742&quot;"/>
+    <we:property name="pageDisplayName" value="&quot;Page 5&quot;"/>
     <we:property name="datasetId" value="&quot;c410b94c-3969-4a28-89e5-016251bec109&quot;"/>
     <we:property name="backgroundColor" value="&quot;#FFFFFF&quot;"/>
-    <we:property name="bookmark" value="&quot;H4sIAAAAAAAAA9VUTW/bMAz9K4POxmDPcePm1nrZaRiCZuhlCAJaol21smRIclYv8H8fJbtb2x2227ZcIpJP1Hv88JkJ6XoF4yfokG3YtTEPHdiHNxlLmH7pK4pSXBblqixFCVzUl/yiIJTpvTTasc2ZebAt+lvpBlAhITm/HBIGSu2gDVYDymHCerTOaFDyG85gCnk74JQwfOyVsRBS7j14DGlPBCebqGRvc3oRuJcn3CP3s/cGe2P9YpdZWaRFAxcia3LMVus8DSzdHI00f48Pj0ZildEepCYCwZc3dYr5uiwy4HW6FrjK8uBvpPILpB63j70l3VSNsQ/lq0hFa6zkoFjUZ9HNcs6sMmro4mn7wr83g+V4g00MaS/9GDIpBI3iSKTc0KGlQ0e9k9o7NlHtdtZQZWcoRUCPR8rZExqP3hz5ci1i78zXyiJRE2yTTskPtlfiBJqT9zXVq7a12IJfzO0/ouPDoJcxKH6VdSCPk7pVy5j97OvnWS2PvKs7sD5Mcn1PMxHaSPeMFWivx9jJ99I+Ddu75JXE/6Eu0+FpaSjF/bNNWGZzVvm3yB6m+Htef0aRNu6+GbzrgeOOHoss+zmvxIijGQUtQrfj2Yb/j5KWcW72Lagh9Dl+d1h8hPova4V/emGh9x0JSySNKAUAAA==&quot;"/>
-    <we:property name="initialStateBookmark" value="&quot;H4sIAAAAAAAAA9VUwW7bMAz9lUFnY7DneglyS93s0rUNkqGXITBom3bVypIgyVm9wP8+Sna7rjtst265RHykyPdIyidWc6sFDNfQIVuxc6UeOjAP7xIWMTljNzeXV+vdZXG9vtoQrLTjSlq2OjEHpkV3y20Pwmcg8OshYiDEFlpvNSAsRkyjsUqC4N9xCiaXMz2OEcNHLZQBn3LvwKFPe6Rwsql28j6lilA5fsQ9Vm5Cd6iVcbO9TJZZnDXwsU6aFJOzRRpndMdO3kDzz/G+aCCWK+mASyLgsbQpY0wXyyyBqowXNZ4lqccbLtwcUg6bR21IN3Vj0L5fOaloleEVCBb0GbSTnBPLlei7cNr8gu9VbyrcYRNc0nE3+EwCQWJdECnbd2jo0NGwuHSWjdS7rVHU2SmUPCCHgnJqisbCqaKar4XYO/UtN0jUaraKx+iZ7bo+gqwIfU113bYGW3CzuflHdHzq5bwG2e+yDoRYLlsxr9nPuX6Z1FaBd34HxvlNLu9pJ/wY6Z4yNZrzIUzygpunZfsQvZL4P/RlPDw9Gkpx/+IlzLs5qXwrsocx/F72n5GnDW9f9c5qqHBLxQJLPeXlGOJoR0HWftrhbPz/Z06PcRr2LYjezzl8d1goQvPnpcC/vTDT+wHaTEkEGQUAAA==&quot;"/>
+    <we:property name="bookmark" value="&quot;H4sIAAAAAAAAA9VUTW/bMAz9K4PORuF8I7mlbnrpV5AMvQyBQdu0q1aWBEnO6gX+76Nkt+u6Q3frlkvER4p8j6R8YgW3WkB7CzWyFTtX6qkG8/RlxCImB+zu7upmvbtKb9c3G4KVdlxJy1Yn5sBU6O65bUD4DAR+O0QMhNhC5a0ShMWIaTRWSRD8B/bB5HKmwS5i+KyFMuBT7h049GmPFE421R6dTagi5I4fcY+569EdamXcYJez8TSewKKYZsvlfDSaLaZjumN7b6D5cbwvGoglSjrgkgh4rJyXeTFdFBAvsjiOJ/NxvAw4F24IydrNszakm7rRat+vhFRUyvAcBAv6DNpezoklSjR1OG1+w/eqMTnusAwu6bhrfSaBILFIiZRtajR0qGlYXDrLOurd1ijqbB9KHpBtSjk1RWPqVJoP10Lsg/qeGCRqBVvFXfTKdl0cQeaEvqe6riqDFbjB3PwjOi4bOazB7E9ZB0Isl5UY1uzXXL/2avPAO3kA4/wmZ4+0E36MdE+ZAs15GyZ5wc3Lso2jdxL/h750h5dHQyke37yEYTd7lZ9F9tCF39v+M/JU4e2rxlkNOW6pWGCp+7wcQxztKMjCTzucjf+/5vQY+2Hfg2j8nMN3h4UiNH+eCfzbCwO9nwkXkMwZBQAA&quot;"/>
+    <we:property name="initialStateBookmark" value="&quot;H4sIAAAAAAAAA9VUTW/bMAz9K4PORuF8I7mlbnrpV5AMvQyBQdu0q1aWBEnO6gX+76Nkt+u6Q3frlkvER4p8j6R8YgW3WkB7CzWyFTtX6qkG8/RlxCImB+zu7upmvbtKb9c3G4KVdlxJy1Yn5sBU6O65bUD4DAR+O0QMhNhC5a0ShMWIaTRWSRD8B/bB5HKmwS5i+KyFMuBT7h049GmPFE421R6dTagi5I4fcY+569EdamXcYJez8TSewKKYZsvlfDSaLaZjumN7b6D5cbwvGoglSjrgkgh4rJyXeTFdFBAvsjiOJ/NxvAw4F24IydrNszakm7rRat+vhFRUyvAcBAv6DNpezoklSjR1OG1+w/eqMTnusAwu6bhrfSaBILFIiZRtajR0qGlYXDrLOurd1ijqbB9KHpBtSjk1RWPqVJoP10Lsg/qeGCRqBVvFXfTKdl0cQeaEvqe6riqDFbjB3PwjOi4bOazB7E9ZB0Isl5UY1uzXXL/2avPAO3kA4/wmZ4+0E36MdE+ZAs15GyZ5wc3Lso2jdxL/h750h5dHQyke37yEYTd7lZ9F9tCF39v+M/JU4e2rxlkNOW6pWGCp+7wcQxztKMjCTzucjf+/5vQY+2Hfg2j8nMN3h4UiNH+eCfzbCwO9nwkXkMwZBQAA&quot;"/>
     <we:property name="isFooterCollapsed" value="true"/>
     <we:property name="isFiltersActionButtonVisible" value="false"/>
-    <we:property name="reportEmbeddedTime" value="&quot;2023-02-18T10:34:51.454Z&quot;"/>
+    <we:property name="reportEmbeddedTime" value="&quot;2023-02-26T11:50:20.219Z&quot;"/>
     <we:property name="creatorUserId" value="&quot;1003200231FE1A01&quot;"/>
-    <we:property name="creatorSessionId" value="&quot;d43e4538-0d93-482d-9175-0f2ccc1deb5e&quot;"/>
+    <we:property name="creatorSessionId" value="&quot;dff0094d-c9f9-4db1-9a95-9a80550c0fe5&quot;"/>
   </we:properties>
   <we:bindings/>
   <we:snapshot xmlns:r="http://schemas.openxmlformats.org/officeDocument/2006/relationships" r:embed="rId1"/>
@@ -9243,26 +8513,28 @@
 </file>
 
 <file path=ppt/webextensions/webextension6.xml><?xml version="1.0" encoding="utf-8"?>
-<we:webextension xmlns:we="http://schemas.microsoft.com/office/webextensions/webextension/2010/11" id="{2783D170-D927-4E93-9834-72F25C4087E1}">
-  <we:reference id="WA200003233" version="2.0.0.3" store="en-US" storeType="OMEX"/>
-  <we:alternateReferences/>
+<we:webextension xmlns:we="http://schemas.microsoft.com/office/webextensions/webextension/2010/11" id="{64E97567-DAF2-4079-A8C3-92122C5C174D}">
+  <we:reference id="wa200003233" version="2.0.0.3" store="en-US" storeType="OMEX"/>
+  <we:alternateReferences>
+    <we:reference id="wa200003233" version="2.0.0.3" store="wa200003233" storeType="OMEX"/>
+  </we:alternateReferences>
   <we:properties>
-    <we:property name="Microsoft.Office.CampaignId" value="&quot;none&quot;"/>
+    <we:property name="creatorTenantId" value="&quot;94c611e1-0207-4c90-a201-cd8fd3e1e49e&quot;"/>
+    <we:property name="reportUrl" value="&quot;/groups/me/reports/3132799d-d56f-47b7-ba3e-27bf9622e23d/ReportSection630bfcbdc65ac0c5226a?ctid=94c611e1-0207-4c90-a201-cd8fd3e1e49e&quot;"/>
+    <we:property name="reportName" value="&quot;Consumer Complaints for PPT&quot;"/>
+    <we:property name="reportState" value="&quot;CONNECTED&quot;"/>
+    <we:property name="embedUrl" value="&quot;/reportEmbed?reportId=3132799d-d56f-47b7-ba3e-27bf9622e23d&amp;config=eyJjbHVzdGVyVXJsIjoiaHR0cHM6Ly9XQUJJLVNPVVRILUFGUklDQS1OT1JUSC1BLVBSSU1BUlktcmVkaXJlY3QuYW5hbHlzaXMud2luZG93cy5uZXQiLCJlbWJlZEZlYXR1cmVzIjp7Im1vZGVybkVtYmVkIjp0cnVlLCJ1c2FnZU1ldHJpY3NWTmV4dCI6dHJ1ZX19&amp;disableSensitivityBanner=true&quot;"/>
+    <we:property name="pageName" value="&quot;ReportSection630bfcbdc65ac0c5226a&quot;"/>
+    <we:property name="pageDisplayName" value="&quot;Page 6&quot;"/>
+    <we:property name="datasetId" value="&quot;c410b94c-3969-4a28-89e5-016251bec109&quot;"/>
     <we:property name="backgroundColor" value="&quot;#FFFFFF&quot;"/>
-    <we:property name="bookmark" value="&quot;H4sIAAAAAAAAA9VUTW/bMAz9K4POxhC7SZzm1nrZaRiCZuhlCAJaol21smRIclYv8H8fJbvox4Z2t26+WKIo8j3yUScmpGsV9F+hQbZml8bcNWDvPqQsYfq5LT0XC5yXUFbZapnn6WqVLsnLtF4a7dj6xDzYGv21dB2oEJCM31m6EuLsnIuVyCDjy2q55Mj2CQOltlAHnwqUw4S1aJ3RoORPHEPQkbcdDgnD+1YZCyHRzoPHkOxI7rQngOnHM8IB3Msj7pD70XqFrbF+2i/m+QyrLMcS54scZphVFd1x42kE/7Z/SBqBFUZ7kJoABNsfCZK9kspPLmW/uW8tVYNq1LehqAWxqI2VHBSL/Cy6kc6JFUZ1TVxtntl3prMcrzAi2WgvfR8iKQSN4kCgXNegpUVDHZXaOzZQ7bbWUGVHVzoB3R8oZkveePDmwKdr0ffG/CgsEjTB1rMheV+0u65spCcsh6OEV+FdiCNoTtaX2C7q2mINftpu/pEyf+70pNLF77T2ZHFS12qagkfZfRvZctU5EhaKkUBxA9aHOSxvSbtBbhTAWIH2so+K+yTtw1BkyQuu/0OBhv3DcFOI2ycTO6lyZPleYPdD/J7Wn9FJHZ8A03nXAsctJYso2zGuxOhHYgUtQtvj2ob/F0m9Hbt+DaoLDY/vI4tJSAiyVPi3FyZ4vwD3HmTd5gUAAA==&quot;"/>
-    <we:property name="creatorSessionId" value="&quot;d8d45738-5fcb-42a2-8449-665107d9393d&quot;"/>
-    <we:property name="creatorTenantId" value="&quot;94c611e1-0207-4c90-a201-cd8fd3e1e49e&quot;"/>
+    <we:property name="bookmark" value="&quot;H4sIAAAAAAAAA9VUTW/bMAz9K4POxuC4S9rmlnrZpWsbJEMvRWDQMu2qlSVDH1m9wP99lOxiXQdsu3XLJRJJke+Rjz6ySthOQn8NLbIlu9D6sQXz+G7GEqYm283N5dVqe1lcr67WZNadE1pZtjwyB6ZBdyusBxkykPFunzCQcgNNuNUgLSasQ2O1Aim+4RhMLmc8DgnDp05qAyHlzoHDkPZA4XSn2rP3J1QRuBMH3CF3o3WLnTZuui9O0rLmZcUXc+Apn2fZAuiNHb0R5p/jQ9EILNfKgVAEINiyD2d1Nq/hPE3PZ4DlGZyeBnstpJtCyn791BniTd3ou9CvnFg02ggOkkV+Bu1I58hyLX0bT+uf7DvtDcct1tGlnHB9yCQRFFYFgbK+RUOHloYllLNsoN5tjKbOjqHkAdUXlLOjaCycLvj0LMbe66+5QYJWsWU6JG+LdufLVjjCUhwE/BbeqjqA4mR9jW3VNAYbcNN1/Y+0+ZNXk0rnv9Lak8UK1chpC37I7svIlktvSVhYjQTyezAubFz5QNoNcqME2lRoLvqouI/CPC9Flrzi+j80aNg/LzeleHixsZMqR5ZvBXY/xN/L/jPyNPEbpb2zHXDcULGIshvzCoxxJFZQVRh7PJvw/1nQbMep34L0YeDx+8hiERKCKCX+7YMJ3nfCv/5RwQUAAA==&quot;"/>
+    <we:property name="initialStateBookmark" value="&quot;H4sIAAAAAAAAA9VUTW/bMAz9K4POxuC4S9rmlnrZpWsbJEMvRWDQMu2qlSVDH1m9wP99lOxiXQdsu3XLJRJJke+Rjz6ySthOQn8NLbIlu9D6sQXz+G7GEqYm283N5dVqe1lcr67WZNadE1pZtjwyB6ZBdyusBxkykPFunzCQcgNNuNUgLSasQ2O1Aim+4RhMLmc8DgnDp05qAyHlzoHDkPZA4XSn2rP3J1QRuBMH3CF3o3WLnTZuui9O0rLmZcUXc+Apn2fZAuiNHb0R5p/jQ9EILNfKgVAEINiyD2d1Nq/hPE3PZ4DlGZyeBnstpJtCyn791BniTd3ou9CvnFg02ggOkkV+Bu1I58hyLX0bT+uf7DvtDcct1tGlnHB9yCQRFFYFgbK+RUOHloYllLNsoN5tjKbOjqHkAdUXlLOjaCycLvj0LMbe66+5QYJWsWU6JG+LdufLVjjCUhwE/BbeqjqA4mR9jW3VNAYbcNN1/Y+0+ZNXk0rnv9Lak8UK1chpC37I7svIlktvSVhYjQTyezAubFz5QNoNcqME2lRoLvqouI/CPC9Flrzi+j80aNg/LzeleHixsZMqR5ZvBXY/xN/L/jPyNPEbpb2zHXDcULGIshvzCoxxJFZQVRh7PJvw/1nQbMep34L0YeDx+8hiERKCKCX+7YMJ3nfCv/5RwQUAAA==&quot;"/>
+    <we:property name="isFooterCollapsed" value="true"/>
+    <we:property name="isFiltersActionButtonVisible" value="false"/>
+    <we:property name="reportEmbeddedTime" value="&quot;2023-02-26T11:52:44.851Z&quot;"/>
     <we:property name="creatorUserId" value="&quot;1003200231FE1A01&quot;"/>
-    <we:property name="datasetId" value="&quot;c410b94c-3969-4a28-89e5-016251bec109&quot;"/>
-    <we:property name="embedUrl" value="&quot;/reportEmbed?reportId=ff701873-d20e-442c-8f87-56b331f08e9f&amp;config=eyJjbHVzdGVyVXJsIjoiaHR0cHM6Ly9XQUJJLVNPVVRILUFGUklDQS1OT1JUSC1BLVBSSU1BUlktcmVkaXJlY3QuYW5hbHlzaXMud2luZG93cy5uZXQiLCJlbWJlZEZlYXR1cmVzIjp7Im1vZGVybkVtYmVkIjp0cnVlLCJ1c2FnZU1ldHJpY3NWTmV4dCI6dHJ1ZX19&amp;disableSensitivityBanner=true&quot;"/>
-    <we:property name="initialStateBookmark" value="&quot;H4sIAAAAAAAAA9VUwW7bMAz9lUFnY0jcJulySz3v0rUNkqGXIjBoiXbVypIhyVm9IP8+SnaxrgW63br5YomiyPfIRx2YkK5V0F9Bg2zJzo15aMA+fJiyhOnRdn19cbnaXBRXq8uczKb10mjHlgfmwdbob6TrQIUIZLzdJQyUWkMddhUohwlr0TqjQckfODjTkbcdHhOGj60yFkLIrQePIeye3GlPuacfTygjcC/3uEXuB+sGW2P9uJ+dLiZYpQss8XS2gAmmVUV33HAaYf7ZPySNwDKjPUhNAIJteibEyScuzkQKKZ9X8zmPACup/OhS9vlja4k3VaNvQ70yYlEbKzkoFvlZdAOdA8uM6pq4yn+zb01nOW4wIsm1l74PkRSCRlEQKNc1aGnRULOk9o4dqXZra6iygyudgO4LitmSNxbeFHy8Fn3vzPfMIkETbDk5Ju+LdtuVjfSEpdhLeBPeSuxBc7K+xLaqa4s1+HGb/yNl/tLpUaWz17R2ZHFS12qcgl+y+zaw5apzJCwUA4HsDqwPE1fek3aD3CiAsQLteR8V91nap6FIkxdc/4cCHXdPw00h7p9N7KjKgeV7gd0d4/e8/oxO6vgEmM67FjiuKVlE2Q5xJUY/EitoEdoe1zb8v0rq7dD1G1BdaHh8H1lMQkKQpcK/vTDC+wmqiS3fwQUAAA==&quot;"/>
-    <we:property name="isFiltersActionButtonVisible" value="false"/>
-    <we:property name="pageDisplayName" value="&quot;Response by Submission&quot;"/>
-    <we:property name="reportEmbeddedTime" value="&quot;2023-02-17T17:08:44.125Z&quot;"/>
-    <we:property name="reportName" value="&quot;complaints viz&quot;"/>
-    <we:property name="reportState" value="&quot;CONNECTED&quot;"/>
-    <we:property name="reportUrl" value="&quot;/links/0OBR_YZ8Bi?ctid=94c611e1-0207-4c90-a201-cd8fd3e1e49e&amp;pbi_source=linkShare&amp;bookmarkGuid=451c7b06-55b3-4e33-bc1c-ab2a1ea4e885&amp;fromEntryPoint=share&quot;"/>
-    <we:property name="isFooterCollapsed" value="true"/>
+    <we:property name="creatorSessionId" value="&quot;67d04d6d-37ce-4f57-9369-8eaaa1f7e6ca&quot;"/>
   </we:properties>
   <we:bindings/>
   <we:snapshot xmlns:r="http://schemas.openxmlformats.org/officeDocument/2006/relationships" r:embed="rId1"/>
@@ -9270,26 +8542,28 @@
 </file>
 
 <file path=ppt/webextensions/webextension7.xml><?xml version="1.0" encoding="utf-8"?>
-<we:webextension xmlns:we="http://schemas.microsoft.com/office/webextensions/webextension/2010/11" id="{E0115B43-A264-45F9-880C-610F17D74977}">
-  <we:reference id="WA200003233" version="2.0.0.3" store="en-US" storeType="OMEX"/>
-  <we:alternateReferences/>
+<we:webextension xmlns:we="http://schemas.microsoft.com/office/webextensions/webextension/2010/11" id="{6C0791DD-2724-4576-9DDC-A9503D106BE1}">
+  <we:reference id="wa200003233" version="2.0.0.3" store="en-US" storeType="OMEX"/>
+  <we:alternateReferences>
+    <we:reference id="wa200003233" version="2.0.0.3" store="wa200003233" storeType="OMEX"/>
+  </we:alternateReferences>
   <we:properties>
-    <we:property name="Microsoft.Office.CampaignId" value="&quot;none&quot;"/>
+    <we:property name="creatorTenantId" value="&quot;94c611e1-0207-4c90-a201-cd8fd3e1e49e&quot;"/>
+    <we:property name="reportUrl" value="&quot;/groups/me/reports/3132799d-d56f-47b7-ba3e-27bf9622e23d/ReportSection2d696741d0bb5008b20a?ctid=94c611e1-0207-4c90-a201-cd8fd3e1e49e&quot;"/>
+    <we:property name="reportName" value="&quot;Consumer Complaints for PPT&quot;"/>
+    <we:property name="reportState" value="&quot;CONNECTED&quot;"/>
+    <we:property name="embedUrl" value="&quot;/reportEmbed?reportId=3132799d-d56f-47b7-ba3e-27bf9622e23d&amp;config=eyJjbHVzdGVyVXJsIjoiaHR0cHM6Ly9XQUJJLVNPVVRILUFGUklDQS1OT1JUSC1BLVBSSU1BUlktcmVkaXJlY3QuYW5hbHlzaXMud2luZG93cy5uZXQiLCJlbWJlZEZlYXR1cmVzIjp7Im1vZGVybkVtYmVkIjp0cnVlLCJ1c2FnZU1ldHJpY3NWTmV4dCI6dHJ1ZX19&amp;disableSensitivityBanner=true&quot;"/>
+    <we:property name="pageName" value="&quot;ReportSection2d696741d0bb5008b20a&quot;"/>
+    <we:property name="pageDisplayName" value="&quot;Page 7&quot;"/>
+    <we:property name="datasetId" value="&quot;c410b94c-3969-4a28-89e5-016251bec109&quot;"/>
     <we:property name="backgroundColor" value="&quot;#FFFFFF&quot;"/>
-    <we:property name="bookmark" value="&quot;H4sIAAAAAAAAA+VVTW/bMAz9K4POxhB/JXEuQ+tlp2EImqKXIShoi3bVypIhy1m9IP99lOys61qgO60ddrJEPZKPfCR8YFx0rYThCzTIVuxc67sGzN27kAVMPbalKa+SgvMkm4WLaA6YVJxQurVCq46tDsyCqdFeia4H6QKS8esuYCDlBmp3q0B2GLAWTacVSPEdRzA9WdPjMWB430ptwIXcWrDowu4JTneiEr6PKSOUVuxxi6UdrRfYamOn+2KZRVmVVQmUUZUus2weZuTTja+e5st4l9QTy7WyIBQRcLa4wDksF3ECYRhVcVLyKHL2Skg7QYphfd8aqpu6MbSufTlVUWsjSpDM12ewG8s5sFzLvvGn9SP7VvemxAus/JOywg4ukkRQyK+JVNc3aOjQkHZC2Y4dqXcbo6mzI/QEcfL2FvkHj7jR33KDRIiz1ewY/OR4xvegSuRPCJ7VtcEa7HRdvyr7T72aJE+fFrMjSydULaeRetDwcqyx9GzzGzDWTW1xS/o7ychPG47mfPCqfRTmNFhR8Fthb7cbx91pLcjx9pdZn6ZvrO3vUtwdHSpLq2IWJ8vZIg6TtKggm5dvc2cuRYNyuKaQLYHxn9qYZ7n/p/vyci9eeVueIeh2xa/LQ58ZBan9/0/3tmuhxA0l8MzaMZZAj6P5A8Wdqv5s3PezoOUaRb0C2Ts9/b+X+SSksygk/qnDRO8H2fGjISwIAAA=&quot;"/>
-    <we:property name="creatorSessionId" value="&quot;96efcfb4-c6d6-42b6-a296-1ac335160072&quot;"/>
-    <we:property name="creatorTenantId" value="&quot;94c611e1-0207-4c90-a201-cd8fd3e1e49e&quot;"/>
+    <we:property name="bookmark" value="&quot;H4sIAAAAAAAAA+VVTW/bMAz9K4POxmC7+WhyGVIvu3Rtg6ToZQgC2mJctbJkSHJWL8h/HyU769YV6E5rh50sUY/kIx8J7xkXtpbQXkKFbMrOtL6vwNy/S1jEVG+7ujq/mC3PN5ezizmZde2EVpZN98yBKdHdCNuA9BHI+GUdMZByAaW/bUFajFiNxmoFUnzDDkxPzjR4iBg+1FIb8CFXDhz6sDuC051yJ+9PKCMUTuxwhYXrrEustXH9PeWjyWg8SHic58M4Ps3TGMjHdq+B5st4nzQQy7RyIBQR8LZtkp4kxSAmME8naTwc4TjYhXQ9JG/nD7Whuqkbbe37lVEVpTaiAMlCfQZtV86eZVo2VTjNf7GvdGMKXOI2PCknXOsjSQSFfEOkbFOhoUNFYgnlLDtQ7xZGU2c76BHi9Wwc8g8Bcau/ZgaJEGfT+BD94DjjO1AFWZ8SnJWlwRJcf52/KvtPjeolH/5ezJosVqhS9iP1qOF1V2MR2Ga3YJyf2vyO9PeSkZ82HM1ZG1T7KMxxsNLoSWFvtxuH9XEtyPHup1nvp6+r7e9SXB88apIMkoLjBIYDHPPTOB8n8DZ35lpUKNsNhawJjP/UxjzL/T/dl5d78crb8gxBvythXR77zChIGf5/unG2hgIXlCAwq7tYAgOO5g8U96qGs/Hfz4KWqxP1BmTj9Qz/XhaSkM4il/inDj2971fh1isdCAAA&quot;"/>
+    <we:property name="initialStateBookmark" value="&quot;H4sIAAAAAAAAA+VVTW/bMAz9K4POxmC7+WhyGVIvu3Rtg6ToZQgC2mJctbJkSHJWL8h/HyU769YV6E5rh50sUY/kIx8J7xkXtpbQXkKFbMrOtL6vwNy/S1jEVG+7ujq/mC3PN5ezizmZde2EVpZN98yBKdHdCNuA9BHI+GUdMZByAaW/bUFajFiNxmoFUnzDDkxPzjR4iBg+1FIb8CFXDhz6sDuC051yJ+9PKCMUTuxwhYXrrEustXH9PeWjyWg8SHic58M4Ps3TGMjHdq+B5st4nzQQy7RyIBQR8LZtkp4kxSAmME8naTwc4TjYhXQ9JG/nD7Whuqkbbe37lVEVpTaiAMlCfQZtV86eZVo2VTjNf7GvdGMKXOI2PCknXOsjSQSFfEOkbFOhoUNFYgnlLDtQ7xZGU2c76BHi9Wwc8g8Bcau/ZgaJEGfT+BD94DjjO1AFWZ8SnJWlwRJcf52/KvtPjeolH/5ezJosVqhS9iP1qOF1V2MR2Ga3YJyf2vyO9PeSkZ82HM1ZG1T7KMxxsNLoSWFvtxuH9XEtyPHup1nvp6+r7e9SXB88apIMkoLjBIYDHPPTOB8n8DZ35lpUKNsNhawJjP/UxjzL/T/dl5d78crb8gxBvythXR77zChIGf5/unG2hgIXlCAwq7tYAgOO5g8U96qGs/Hfz4KWqxP1BmTj9Qz/XhaSkM4il/inDj2971fh1isdCAAA&quot;"/>
+    <we:property name="isFooterCollapsed" value="true"/>
+    <we:property name="isFiltersActionButtonVisible" value="false"/>
+    <we:property name="reportEmbeddedTime" value="&quot;2023-02-26T12:08:00.322Z&quot;"/>
     <we:property name="creatorUserId" value="&quot;1003200231FE1A01&quot;"/>
-    <we:property name="datasetId" value="&quot;c410b94c-3969-4a28-89e5-016251bec109&quot;"/>
-    <we:property name="embedUrl" value="&quot;/reportEmbed?reportId=ff701873-d20e-442c-8f87-56b331f08e9f&amp;config=eyJjbHVzdGVyVXJsIjoiaHR0cHM6Ly9XQUJJLVNPVVRILUFGUklDQS1OT1JUSC1BLVBSSU1BUlktcmVkaXJlY3QuYW5hbHlzaXMud2luZG93cy5uZXQiLCJlbWJlZEZlYXR1cmVzIjp7Im1vZGVybkVtYmVkIjp0cnVlLCJ1c2FnZU1ldHJpY3NWTmV4dCI6dHJ1ZX19&amp;disableSensitivityBanner=true&quot;"/>
-    <we:property name="initialStateBookmark" value="&quot;H4sIAAAAAAAAA+VVTW/bMAz9K4POxhDb+XIuQ5pll65tkBS9DEFA27SrVpYMSc7qBfnvo2Rn3boC3WntsJMl6pF85CPhA8u5qQW0l1Ahm7Ezpe4r0PfvQhYw2duurs4v5uvz3eX8YklmVVuupGGzA7OgS7Q33DQgXAQyftkGDIRYQeluBQiDAatRGyVB8G/YgenJ6gaPAcOHWigNLuTGgkUXdk9wulPu8H1MGSGzfI8bzGxnXWOttO3vk2kSJUVSDCGLitE0ScZhQj6me/U0X8a7pJ7YQkkLXBIBZ4tTHMN0Eg8hDKMiHmZ5FDl7wYXtIWm7fKg11U3daGvXrwVVUSrNMxDM16fRdOUc2EKJpvKn5S/2jWp0hmss/JO03LYukkCQmO+IlGkq1HSoSCwurWFH6t1KK+psBz1BnJ6NxfyDR9yqrwuNRChns8Ex+MFxnu9BZmR9SnBelhpLsP11+arsPzWyl3z0ezFbshguS9GP1KOG112NmWe7uAVt3dSmd6S/k4z8lM5Rn7VetY9cnwYrCp4U9na7cdye1oIc736a9X76utr+LsXt0aGSUZEO4uF0MInD4SgtIBlnb3NnrnmFot1RyJrA+E9tzLPc/9N9ebkXr7wtzxB0u+LX5bHPjIKU/v+nGmtqyHBFCTyzuovF0eNo/kDmTlV/1u77mdNydaLegGicnv7fy3wS0pmnAv/Uoaf3HbrJ6+0dCAAA&quot;"/>
-    <we:property name="isFiltersActionButtonVisible" value="false"/>
-    <we:property name="isFooterCollapsed" value="true"/>
-    <we:property name="pageDisplayName" value="&quot;Disputed/Response&quot;"/>
-    <we:property name="reportEmbeddedTime" value="&quot;2023-02-17T17:00:40.515Z&quot;"/>
-    <we:property name="reportName" value="&quot;complaints viz&quot;"/>
-    <we:property name="reportState" value="&quot;CONNECTED&quot;"/>
-    <we:property name="reportUrl" value="&quot;/links/0OBR_YZ8Bi?ctid=94c611e1-0207-4c90-a201-cd8fd3e1e49e&amp;pbi_source=linkShare&amp;bookmarkGuid=c2a3ba41-b00b-45e7-86a6-e8464a3dc1e2&amp;fromEntryPoint=share&quot;"/>
+    <we:property name="creatorSessionId" value="&quot;0623eb28-cd54-4036-b73f-1bd5704f6c73&quot;"/>
   </we:properties>
   <we:bindings/>
   <we:snapshot xmlns:r="http://schemas.openxmlformats.org/officeDocument/2006/relationships" r:embed="rId1"/>
@@ -9297,26 +8571,28 @@
 </file>
 
 <file path=ppt/webextensions/webextension8.xml><?xml version="1.0" encoding="utf-8"?>
-<we:webextension xmlns:we="http://schemas.microsoft.com/office/webextensions/webextension/2010/11" id="{23CE449C-C5CE-4E12-8DE3-5DAF0A0838AB}">
-  <we:reference id="WA200003233" version="2.0.0.3" store="en-US" storeType="OMEX"/>
-  <we:alternateReferences/>
+<we:webextension xmlns:we="http://schemas.microsoft.com/office/webextensions/webextension/2010/11" id="{4B48BC32-009F-49FB-9824-CAEA7B37863F}">
+  <we:reference id="wa200003233" version="2.0.0.3" store="en-US" storeType="OMEX"/>
+  <we:alternateReferences>
+    <we:reference id="wa200003233" version="2.0.0.3" store="wa200003233" storeType="OMEX"/>
+  </we:alternateReferences>
   <we:properties>
-    <we:property name="Microsoft.Office.CampaignId" value="&quot;none&quot;"/>
+    <we:property name="creatorTenantId" value="&quot;94c611e1-0207-4c90-a201-cd8fd3e1e49e&quot;"/>
+    <we:property name="reportUrl" value="&quot;/groups/me/reports/3132799d-d56f-47b7-ba3e-27bf9622e23d/ReportSection7b861465c2ea0d029dd8?ctid=94c611e1-0207-4c90-a201-cd8fd3e1e49e&quot;"/>
+    <we:property name="reportName" value="&quot;Consumer Complaints for PPT&quot;"/>
+    <we:property name="reportState" value="&quot;CONNECTED&quot;"/>
+    <we:property name="embedUrl" value="&quot;/reportEmbed?reportId=3132799d-d56f-47b7-ba3e-27bf9622e23d&amp;config=eyJjbHVzdGVyVXJsIjoiaHR0cHM6Ly9XQUJJLVNPVVRILUFGUklDQS1OT1JUSC1BLVBSSU1BUlktcmVkaXJlY3QuYW5hbHlzaXMud2luZG93cy5uZXQiLCJlbWJlZEZlYXR1cmVzIjp7Im1vZGVybkVtYmVkIjp0cnVlLCJ1c2FnZU1ldHJpY3NWTmV4dCI6dHJ1ZX19&amp;disableSensitivityBanner=true&quot;"/>
+    <we:property name="pageName" value="&quot;ReportSection7b861465c2ea0d029dd8&quot;"/>
+    <we:property name="pageDisplayName" value="&quot;Page 8&quot;"/>
+    <we:property name="datasetId" value="&quot;c410b94c-3969-4a28-89e5-016251bec109&quot;"/>
     <we:property name="backgroundColor" value="&quot;#FFFFFF&quot;"/>
-    <we:property name="bookmark" value="&quot;H4sIAAAAAAAAA9VVX2/aMBD/KpOfowknJCS8tYw9TRMqU18mNF3sS+rWxJHjMBjiu+/sUK2gaUyVNtG8xD5ffL8/53jPpOpaDbvPsEY2ZbfGPK3BPr3jLGLNaSzLYp7xLE2R8xRxxEueUpZpnTJNx6Z75sDW6O5V14P2G1LwKyuyIs9HcRUXieBSliLBCVtFDLReQO1zKtAdRqxF25kGtPqBwxa05GyPh4jhttXGgi+0dODQF9tQOs0JIH+fEA4QTm1wicIN0TtsjXXHeYx5XlZJlleirLIyGWfViL7phtUA/nK+LxqAzUzjQDUEwMd+S5DildLumFLu5tvWkhqk0a71os6IRW2sEqBZ4GexG+js2czofh1G85P40vRW4B1WYalxyu38ThqhQfmNQHX9Gi0N1uSoalzHDqTdwhpSNqQO2vngg/k+s0gzyaajw4oinWpqfRT+F9MvA9o1tN7p8pHU8YQOz3LT5o8vNDyy2gWm/5zG6uAX+FhMiglOxmURi6IoMszFRflv5AYaQezPtb+pa4s1uON0/r+N+dg3xwaOX+GTACvPjTJWor0dLPmg7PP5iKMzElfF3HsbsQJkXHGOk5EsEEYyH6eXrb2qkxW9pY5LX9FxJdjZA1j39rsu9V13Rf+1RCayQokIScWTJE3pPvI7/9EOh1tXmu2pG+F5GWGEow6XqOld14LABWEM5NoBjsKQR50KjfStEMbWvz8pOntD6XvQva8aLnAWihAaVWr82w8GsoefoMjPRocIAAA=&quot;"/>
-    <we:property name="creatorSessionId" value="&quot;2fdb9022-9f8c-4cdb-b55c-e00a72e6daf6&quot;"/>
-    <we:property name="creatorTenantId" value="&quot;94c611e1-0207-4c90-a201-cd8fd3e1e49e&quot;"/>
+    <we:property name="bookmark" value="&quot;H4sIAAAAAAAAA81UyW7bMBD9lYJnoZAXqY5vjuoARZrEsIsARWEEI3GsMKFIgaRcq4b+vUNKRlP30FxS1BfPPM7yZtORcWFrCe0tVMjm7FLr5wrM87sRi5gasLu765vF+vrhdnGzJFjXTmhl2fzIHJgS3b2wDUgfgcBv24iBlCsovbYDaTFiNRqrFUjxA3tjenKmwS5ieKilNuBDbhw49GH3ZE465R69n1BGKJzY4wYL16NrrLVxg/4hn6WjaZoUY4SYx+MLzmfkY/vXQPPv9j5pIJZp5UAoIuAxTHEKecrjZEISibMkENwJ6QaTvF0eakN1H0/9ugqPSZKkSbzL+ai4SPiMT9PJmGi5tvY2GVVaaiMKkCz0wKDtSz6yTMumCtLyN3yjG1PgGnfhSTnhWh9JIijkD0TcNhUaEioaqFDOso76uzKauh9MSeRN4QL8qL9nBokFZ/NRFx1PxBZ8D6og9JzVoiwNluAGdflvKH+ytsEAXjVqGP/4nH/8Gv5vRvErgvmjpXG3JcQKVcph43+t2JeeqaQtyx7BOH9S+RMtp98n8tKGo7lsw0p9FOa09ePojPl/NZFuezpTsn16cXvDpvflvPUQtl34vWwoI8cyHK1unK2hwBUFDWzq3l9gf+uHGhT3wwuy8f+fBV1yP7t7kI0fW/iisZCExilyia91GOj9BDuUFvhzBQAA&quot;"/>
+    <we:property name="initialStateBookmark" value="&quot;H4sIAAAAAAAAA81UyW7bMBD9lYJnoZAXqY5vjuoARZrEsIsARWEEI3GsMKFIgaRcq4b+vUNKRlP30FxS1BfPPM7yZtORcWFrCe0tVMjm7FLr5wrM87sRi5gasLu765vF+vrhdnGzJFjXTmhl2fzIHJgS3b2wDUgfgcBv24iBlCsovbYDaTFiNRqrFUjxA3tjenKmwS5ieKilNuBDbhw49GH3ZE465R69n1BGKJzY4wYL16NrrLVxg/4hn6WjaZoUY4SYx+MLzmfkY/vXQPPv9j5pIJZp5UAoIuAxTHEKecrjZEISibMkENwJ6QaTvF0eakN1H0/9ugqPSZKkSbzL+ai4SPiMT9PJmGi5tvY2GVVaaiMKkCz0wKDtSz6yTMumCtLyN3yjG1PgGnfhSTnhWh9JIijkD0TcNhUaEioaqFDOso76uzKauh9MSeRN4QL8qL9nBokFZ/NRFx1PxBZ8D6og9JzVoiwNluAGdflvKH+ytsEAXjVqGP/4nH/8Gv5vRvErgvmjpXG3JcQKVcph43+t2JeeqaQtyx7BOH9S+RMtp98n8tKGo7lsw0p9FOa09ePojPl/NZFuezpTsn16cXvDpvflvPUQtl34vWwoI8cyHK1unK2hwBUFDWzq3l9gf+uHGhT3wwuy8f+fBV1yP7t7kI0fW/iisZCExilyia91GOj9BDuUFvhzBQAA&quot;"/>
+    <we:property name="isFooterCollapsed" value="true"/>
+    <we:property name="isFiltersActionButtonVisible" value="false"/>
+    <we:property name="reportEmbeddedTime" value="&quot;2023-02-26T11:58:29.100Z&quot;"/>
     <we:property name="creatorUserId" value="&quot;1003200231FE1A01&quot;"/>
-    <we:property name="datasetId" value="&quot;c410b94c-3969-4a28-89e5-016251bec109&quot;"/>
-    <we:property name="embedUrl" value="&quot;/reportEmbed?reportId=ff701873-d20e-442c-8f87-56b331f08e9f&amp;config=eyJjbHVzdGVyVXJsIjoiaHR0cHM6Ly9XQUJJLVNPVVRILUFGUklDQS1OT1JUSC1BLVBSSU1BUlktcmVkaXJlY3QuYW5hbHlzaXMud2luZG93cy5uZXQiLCJlbWJlZEZlYXR1cmVzIjp7Im1vZGVybkVtYmVkIjp0cnVlLCJ1c2FnZU1ldHJpY3NWTmV4dCI6dHJ1ZX19&amp;disableSensitivityBanner=true&quot;"/>
-    <we:property name="initialStateBookmark" value="&quot;H4sIAAAAAAAAA9VVTW/bMAz9K4POxhDb+bB7S7Ps0rUNkqGXIihoiXbVypYhy1myIP99lOxibQ7LUGBD6ovFJ5rke6SsPROyqRXsbqBEdsEutX4uwTx/ClnAqh67vb26ni6vHm6m13OCdW2lrhp2sWcWTIH2TjYtKBeBwPt1wECpBRTOykE1GLAaTaMrUPInds60ZU2Lh4DhtlbagAu5smDRhd2QO9mUO/wcU0bgVm5whdx26BJrbWxvR5gkWR6Pk5xn+TiLh+N8QN803a4v87S/S+oLm+nKgqyoAIel4zRJBlEepTEPhch4jBOH51LZ3iXbzbe1Id6kxq52es2IRaGN5KCY52ew6ejs2UyrtvSr+Rt8pVvDcYm536qstDsXSSFUKB6oqKYt0dCipGbJyjbsQNotjCZlvWunnQMf9Y+ZQbIEuxgc1oQ0sipUL/xvpt+7akuoXU+zJ1LHETq8yE3Bn15p2LPaeab/nMb64DbCIZ+kE5wMszTiaZqOMeEn5Z+KDVSc2B9rPy0KgwXY3pz/78Z8bat+gKN39ImDEceN0kaguexa8kWal/MRBUckzoq5623AUhBRHoY4GYgUYSCS4eh0a8/qZAUfaeJG75i4DMzsEYz9+FM3clN3Rv+1WMQiR4EIcR7G8WhE95GL/Md2WNzaTG/fdsM/rxFGdRT+EtWtbWrguKAaPbm6K0ei96NJhUq4UfBr497fJJ29LvUdqNZl9Rc480moGpkp/NsPOrKHX/Hubz9iCAAA&quot;"/>
-    <we:property name="isFiltersActionButtonVisible" value="false"/>
-    <we:property name="isFooterCollapsed" value="true"/>
-    <we:property name="pageDisplayName" value="&quot;States&quot;"/>
-    <we:property name="reportEmbeddedTime" value="&quot;2023-02-17T17:04:29.982Z&quot;"/>
-    <we:property name="reportName" value="&quot;complaints viz&quot;"/>
-    <we:property name="reportState" value="&quot;CONNECTED&quot;"/>
-    <we:property name="reportUrl" value="&quot;/links/0OBR_YZ8Bi?ctid=94c611e1-0207-4c90-a201-cd8fd3e1e49e&amp;pbi_source=linkShare&amp;fromEntryPoint=share&quot;"/>
+    <we:property name="creatorSessionId" value="&quot;a640ec23-9367-489a-acab-6dc21ff22952&quot;"/>
   </we:properties>
   <we:bindings/>
   <we:snapshot xmlns:r="http://schemas.openxmlformats.org/officeDocument/2006/relationships" r:embed="rId1"/>
@@ -9324,26 +8600,28 @@
 </file>
 
 <file path=ppt/webextensions/webextension9.xml><?xml version="1.0" encoding="utf-8"?>
-<we:webextension xmlns:we="http://schemas.microsoft.com/office/webextensions/webextension/2010/11" id="{599D464F-7B77-41B0-9E5B-F244AE2A9C99}">
-  <we:reference id="WA200003233" version="2.0.0.3" store="en-US" storeType="OMEX"/>
-  <we:alternateReferences/>
+<we:webextension xmlns:we="http://schemas.microsoft.com/office/webextensions/webextension/2010/11" id="{4D742D89-5C35-4995-AE56-A9CC0E049C12}">
+  <we:reference id="wa200003233" version="2.0.0.3" store="en-US" storeType="OMEX"/>
+  <we:alternateReferences>
+    <we:reference id="wa200003233" version="2.0.0.3" store="wa200003233" storeType="OMEX"/>
+  </we:alternateReferences>
   <we:properties>
-    <we:property name="Microsoft.Office.CampaignId" value="&quot;none&quot;"/>
+    <we:property name="creatorTenantId" value="&quot;94c611e1-0207-4c90-a201-cd8fd3e1e49e&quot;"/>
+    <we:property name="reportUrl" value="&quot;/groups/me/reports/3132799d-d56f-47b7-ba3e-27bf9622e23d/ReportSection0dfbb9f2b40b6b640033?ctid=94c611e1-0207-4c90-a201-cd8fd3e1e49e&quot;"/>
+    <we:property name="reportName" value="&quot;Consumer Complaints for PPT&quot;"/>
+    <we:property name="reportState" value="&quot;CONNECTED&quot;"/>
+    <we:property name="embedUrl" value="&quot;/reportEmbed?reportId=3132799d-d56f-47b7-ba3e-27bf9622e23d&amp;config=eyJjbHVzdGVyVXJsIjoiaHR0cHM6Ly9XQUJJLVNPVVRILUFGUklDQS1OT1JUSC1BLVBSSU1BUlktcmVkaXJlY3QuYW5hbHlzaXMud2luZG93cy5uZXQiLCJlbWJlZEZlYXR1cmVzIjp7Im1vZGVybkVtYmVkIjp0cnVlLCJ1c2FnZU1ldHJpY3NWTmV4dCI6dHJ1ZX19&amp;disableSensitivityBanner=true&quot;"/>
+    <we:property name="pageName" value="&quot;ReportSection0dfbb9f2b40b6b640033&quot;"/>
+    <we:property name="pageDisplayName" value="&quot;Page 9&quot;"/>
+    <we:property name="datasetId" value="&quot;c410b94c-3969-4a28-89e5-016251bec109&quot;"/>
     <we:property name="backgroundColor" value="&quot;#FFFFFF&quot;"/>
-    <we:property name="bookmark" value="&quot;H4sIAAAAAAAAA71TTW/bMAz9K4POxmAndtrk1gXZMKAogmboZQgGWqY9tbIk6COrF/i/j5K9fmyH7VRfLD5S5CMfdWaNcEbCcAM9sg37oPVDD/bhXcEypl5jdQn1ijerddWu8ssa88vygqK08UIrxzZn5sF26O+ECyBjQgK/HjMGUu6hi1YL0mHGDFqnFUjxE6dgcnkbcMwYPhqpLcSUBw8eY9oThZNNVIr3S6oI3IsTHpD7Cb1Fo62f7aaERc5LrKsiXxdNVSOPd9zkTTT/HR+LJmJbrTwIRQQituCLql1jW7blRZHjcr0sq4i3Qvo5pB52j8ZS3zSNwcTxbamLTlvBQbLUn0U3tXNmWy1Dn067V/hBB8vxFtvkUl74IWaSCAqbb0TKhR4tHXrSTijv2Eiz21tNk51CyQNqSPB3/WNrkVg0bJOP2ROxq+YEihP6J6urrrPYgZ/N3dtQ/uxcwAR+DGqWtvqb/5EQJ1Qn59V51urL1Ja3iD2YuJn1PWkcZRl/Lw3Vu3+xCZ+sDiaJ9QZKHMf0veTF6G6XdlwH7wxw3FPeRMhMKQSmOBIIVBMnkM42/q8FLd00gDuQIfae3hdLRWgmopb4vxdmer8A0gACrxAEAAA=&quot;"/>
-    <we:property name="creatorSessionId" value="&quot;029ecc3b-c26e-493d-b080-89ab25489692&quot;"/>
-    <we:property name="creatorTenantId" value="&quot;94c611e1-0207-4c90-a201-cd8fd3e1e49e&quot;"/>
+    <we:property name="bookmark" value="&quot;H4sIAAAAAAAAA+VWUWvbMBD+K0PPZjiJ7cZ9S7MURtc2JKMwRghn6+yqlS0jyVmzkP/ek+yQrWxsDLq17MmnT3enT3ff2d4xLkwjYXsFFbJTdqbUfQX6/s2ABazusevri8vJ4mJ9NbmcEawaK1Rt2OmOWdAl2hthWpAuA4GfVwEDKedQulUB0mDAGtRG1SDFV+ycacvqFvcBw4dGKg0u5dKCRZd2Q+60prMHb0d0IuRWbHCJue3QBTZK234d8iLL0mKYRWGWZEkUhiMXY7pdT/PX/u5QT2yqaguiJgIOSyEZFUMoxpiGnCdhNI5ThxdC2t4l284eGk333h3qde434zhO4rDI+CBPYz7mUTIaEi27bZzPlG5aKi1ykMzXQKPprrxjUyXbyluz7/ClanWOCyz8Vm2F3bpMEqFGvibipq1Qk1FRQ0VtDdtTfedaUfW9K5m8za2Hb9WXqUZiwdlpuA92B2ITvoE6J/Qpq0lZaizB9svZ36H83pgWPXje1n37h3/E/9kofkLQPyjpihAj6lL2ij9K7GPHVJLKpregrRup7I7E6fREUUpz1GdbL6l3Qh9UPwyeMH9RHdmvDmNKvnffzF6v9O46z92E1d7hRTxOMcr5CQz5SZrlg2gw/vnUvh7hx69C+EdK/+Qlt2yzSljist4I+M/nMn5Jc+lH81hQRoGl/9qr1poGcpxTUs+m6eIFej/SDdTcNc/b2j0/CBrkrnc3IFvXNv+nwfwh1E6RSfzdgJ7eI9qszj0LCQAA&quot;"/>
+    <we:property name="initialStateBookmark" value="&quot;H4sIAAAAAAAAA+VWUWvbMBD+K0PPZjiJ7cZ9S7MURtc2JKMwRghn6+yqlS0jyVmzkP/ek+yQrWxsDLq17MmnT3enT3ff2d4xLkwjYXsFFbJTdqbUfQX6/s2ABazusevri8vJ4mJ9NbmcEawaK1Rt2OmOWdAl2hthWpAuA4GfVwEDKedQulUB0mDAGtRG1SDFV+ycacvqFvcBw4dGKg0u5dKCRZd2Q+60prMHb0d0IuRWbHCJue3QBTZK234d8iLL0mKYRWGWZEkUhiMXY7pdT/PX/u5QT2yqaguiJgIOSyEZFUMoxpiGnCdhNI5ThxdC2t4l284eGk333h3qde434zhO4rDI+CBPYz7mUTIaEi27bZzPlG5aKi1ykMzXQKPprrxjUyXbyluz7/ClanWOCyz8Vm2F3bpMEqFGvibipq1Qk1FRQ0VtDdtTfedaUfW9K5m8za2Hb9WXqUZiwdlpuA92B2ITvoE6J/Qpq0lZaizB9svZ36H83pgWPXje1n37h3/E/9kofkLQPyjpihAj6lL2ij9K7GPHVJLKpregrRup7I7E6fREUUpz1GdbL6l3Qh9UPwyeMH9RHdmvDmNKvnffzF6v9O46z92E1d7hRTxOMcr5CQz5SZrlg2gw/vnUvh7hx69C+EdK/+Qlt2yzSljist4I+M/nMn5Jc+lH81hQRoGl/9qr1poGcpxTUs+m6eIFej/SDdTcNc/b2j0/CBrkrnc3IFvXNv+nwfwh1E6RSfzdgJ7eI9qszj0LCQAA&quot;"/>
+    <we:property name="isFooterCollapsed" value="true"/>
+    <we:property name="isFiltersActionButtonVisible" value="false"/>
+    <we:property name="reportEmbeddedTime" value="&quot;2023-02-26T12:00:59.814Z&quot;"/>
     <we:property name="creatorUserId" value="&quot;1003200231FE1A01&quot;"/>
-    <we:property name="datasetId" value="&quot;c410b94c-3969-4a28-89e5-016251bec109&quot;"/>
-    <we:property name="embedUrl" value="&quot;/reportEmbed?reportId=ff701873-d20e-442c-8f87-56b331f08e9f&amp;config=eyJjbHVzdGVyVXJsIjoiaHR0cHM6Ly9XQUJJLVNPVVRILUFGUklDQS1OT1JUSC1BLVBSSU1BUlktcmVkaXJlY3QuYW5hbHlzaXMud2luZG93cy5uZXQiLCJlbWJlZEZlYXR1cmVzIjp7Im1vZGVybkVtYmVkIjp0cnVlLCJ1c2FnZU1ldHJpY3NWTmV4dCI6dHJ1ZX19&amp;disableSensitivityBanner=true&quot;"/>
-    <we:property name="initialStateBookmark" value="&quot;H4sIAAAAAAAAA71TTW/bMAz9K4POxhAnNobklgXZMHRtg2ToZQgKWqY9tbIk6COtG/i/j5K9td0O26m+WHykyEc+6sxq4YyE/go6ZCv2Uev7Duz9u5xlTE3Y9fXF5Xp/cXu1vtwSrI0XWjm2OjMPtkV/I1wAGTMQ+P2YMZByB220GpAOM2bQOq1Aiiccg8nlbcAhY/hopLYQUx48eIxpTxRONtXO3y+oInAvTnhA7kd0j0ZbP9l1AfMZL7Aq89kyr8sKebzjRm+i+e/4WDQR22jlQSgiELE5n5fNEpuiKT7kM1wsF0UZ8UZIP4VU/fbRWOqbptGbOK8NddFqKzhIlvqz6MZ2zmyjZejSafsKP+hgOe6xSS7lhe9jJomgsL4lUi50aOnQkVhCeccGmt3OaprsGEoeUH2Cf+iHjUViUbPVbMh+E1vXJ1Cc0D9ZrdvWYgt+MrdvQ/mLcwET+CmoSdryb/5HQpxQrZxW51mrb2Nb3iJ2YOJmVnekcZRl+LU0VO/uxSZ8tjqYJNYbKHEc0veSF6O7bdpxHbwzwHFHeRMhM6YQmOJIIFB1nEA62/j/KmjpxgHcgAyx9/S+WCpCMxGVxP+9MNH7Ca/paFoBBAAA&quot;"/>
-    <we:property name="isFiltersActionButtonVisible" value="false"/>
-    <we:property name="isFooterCollapsed" value="true"/>
-    <we:property name="pageDisplayName" value="&quot;Issues by Companies&quot;"/>
-    <we:property name="reportEmbeddedTime" value="&quot;2023-02-17T17:14:05.821Z&quot;"/>
-    <we:property name="reportName" value="&quot;complaints viz&quot;"/>
-    <we:property name="reportState" value="&quot;CONNECTED&quot;"/>
-    <we:property name="reportUrl" value="&quot;/links/0OBR_YZ8Bi?ctid=94c611e1-0207-4c90-a201-cd8fd3e1e49e&amp;pbi_source=linkShare&amp;bookmarkGuid=40537585-be1b-4f8b-bc0b-1628d7469bd6&amp;fromEntryPoint=share&quot;"/>
+    <we:property name="creatorSessionId" value="&quot;201b7d1c-92f2-4072-9b93-7ed5679698e6&quot;"/>
   </we:properties>
   <we:bindings/>
   <we:snapshot xmlns:r="http://schemas.openxmlformats.org/officeDocument/2006/relationships" r:embed="rId1"/>
